--- a/item/需求分析/SE2022_G09_需求分析.pptx
+++ b/item/需求分析/SE2022_G09_需求分析.pptx
@@ -6,33 +6,31 @@
     <p:sldMasterId id="2147483663" r:id="rId3"/>
   </p:sldMasterIdLst>
   <p:notesMasterIdLst>
-    <p:notesMasterId r:id="rId20"/>
+    <p:notesMasterId r:id="rId18"/>
   </p:notesMasterIdLst>
   <p:handoutMasterIdLst>
-    <p:handoutMasterId r:id="rId21"/>
+    <p:handoutMasterId r:id="rId19"/>
   </p:handoutMasterIdLst>
   <p:sldIdLst>
     <p:sldId id="409" r:id="rId4"/>
-    <p:sldId id="518" r:id="rId5"/>
-    <p:sldId id="411" r:id="rId6"/>
-    <p:sldId id="450" r:id="rId7"/>
-    <p:sldId id="481" r:id="rId8"/>
-    <p:sldId id="498" r:id="rId9"/>
-    <p:sldId id="508" r:id="rId10"/>
-    <p:sldId id="491" r:id="rId11"/>
-    <p:sldId id="492" r:id="rId12"/>
-    <p:sldId id="494" r:id="rId13"/>
-    <p:sldId id="416" r:id="rId14"/>
-    <p:sldId id="495" r:id="rId15"/>
-    <p:sldId id="496" r:id="rId16"/>
-    <p:sldId id="497" r:id="rId17"/>
-    <p:sldId id="519" r:id="rId18"/>
-    <p:sldId id="432" r:id="rId19"/>
+    <p:sldId id="411" r:id="rId5"/>
+    <p:sldId id="450" r:id="rId6"/>
+    <p:sldId id="481" r:id="rId7"/>
+    <p:sldId id="498" r:id="rId8"/>
+    <p:sldId id="491" r:id="rId9"/>
+    <p:sldId id="492" r:id="rId10"/>
+    <p:sldId id="493" r:id="rId11"/>
+    <p:sldId id="494" r:id="rId12"/>
+    <p:sldId id="416" r:id="rId13"/>
+    <p:sldId id="495" r:id="rId14"/>
+    <p:sldId id="496" r:id="rId15"/>
+    <p:sldId id="497" r:id="rId16"/>
+    <p:sldId id="432" r:id="rId17"/>
   </p:sldIdLst>
   <p:sldSz cx="12192000" cy="6858000"/>
   <p:notesSz cx="6858000" cy="9144000"/>
   <p:custDataLst>
-    <p:tags r:id="rId25"/>
+    <p:tags r:id="rId23"/>
   </p:custDataLst>
   <p:defaultTextStyle>
     <a:defPPr>
@@ -4680,569 +4678,6 @@
           <a:chExt cx="0" cy="0"/>
         </a:xfrm>
       </p:grpSpPr>
-      <p:sp>
-        <p:nvSpPr>
-          <p:cNvPr id="3" name="矩形 2"/>
-          <p:cNvSpPr/>
-          <p:nvPr/>
-        </p:nvSpPr>
-        <p:spPr>
-          <a:xfrm>
-            <a:off x="394970" y="343535"/>
-            <a:ext cx="3592830" cy="949325"/>
-          </a:xfrm>
-          <a:prstGeom prst="rect">
-            <a:avLst/>
-          </a:prstGeom>
-          <a:solidFill>
-            <a:schemeClr val="bg1"/>
-          </a:solidFill>
-          <a:ln>
-            <a:noFill/>
-          </a:ln>
-        </p:spPr>
-        <p:style>
-          <a:lnRef idx="2">
-            <a:schemeClr val="accent1">
-              <a:shade val="50000"/>
-            </a:schemeClr>
-          </a:lnRef>
-          <a:fillRef idx="1">
-            <a:schemeClr val="accent1"/>
-          </a:fillRef>
-          <a:effectRef idx="0">
-            <a:schemeClr val="accent1"/>
-          </a:effectRef>
-          <a:fontRef idx="minor">
-            <a:schemeClr val="lt1"/>
-          </a:fontRef>
-        </p:style>
-        <p:txBody>
-          <a:bodyPr rtlCol="0" anchor="ctr"/>
-          <a:lstStyle/>
-          <a:p>
-            <a:pPr algn="l"/>
-            <a:r>
-              <a:rPr lang="zh-CN" altLang="en-US" sz="3200" b="1" dirty="0">
-                <a:solidFill>
-                  <a:schemeClr val="tx1"/>
-                </a:solidFill>
-                <a:latin typeface="华文细黑" panose="02010600040101010101" charset="-122"/>
-                <a:ea typeface="华文细黑" panose="02010600040101010101" charset="-122"/>
-                <a:cs typeface="华文细黑" panose="02010600040101010101" charset="-122"/>
-              </a:rPr>
-              <a:t>接口需求</a:t>
-            </a:r>
-            <a:endParaRPr lang="zh-CN" altLang="en-US" sz="3200" b="1" dirty="0">
-              <a:solidFill>
-                <a:schemeClr val="tx1"/>
-              </a:solidFill>
-              <a:latin typeface="华文细黑" panose="02010600040101010101" charset="-122"/>
-              <a:ea typeface="华文细黑" panose="02010600040101010101" charset="-122"/>
-              <a:cs typeface="华文细黑" panose="02010600040101010101" charset="-122"/>
-            </a:endParaRPr>
-          </a:p>
-        </p:txBody>
-      </p:sp>
-      <p:sp>
-        <p:nvSpPr>
-          <p:cNvPr id="8" name="文本框 7"/>
-          <p:cNvSpPr txBox="1"/>
-          <p:nvPr/>
-        </p:nvSpPr>
-        <p:spPr>
-          <a:xfrm>
-            <a:off x="918210" y="1683648"/>
-            <a:ext cx="1924685" cy="460375"/>
-          </a:xfrm>
-          <a:prstGeom prst="rect">
-            <a:avLst/>
-          </a:prstGeom>
-          <a:solidFill>
-            <a:schemeClr val="bg1"/>
-          </a:solidFill>
-        </p:spPr>
-        <p:txBody>
-          <a:bodyPr wrap="square" rtlCol="0">
-            <a:spAutoFit/>
-          </a:bodyPr>
-          <a:lstStyle/>
-          <a:p>
-            <a:r>
-              <a:rPr lang="zh-CN" altLang="en-US" sz="2400" kern="0" noProof="0" dirty="0">
-                <a:ln>
-                  <a:noFill/>
-                </a:ln>
-                <a:solidFill>
-                  <a:srgbClr val="0070C0"/>
-                </a:solidFill>
-                <a:effectLst>
-                  <a:outerShdw blurRad="38100" dist="38100" dir="2700000" algn="tl">
-                    <a:srgbClr val="000000">
-                      <a:alpha val="43137"/>
-                    </a:srgbClr>
-                  </a:outerShdw>
-                </a:effectLst>
-                <a:uLnTx/>
-                <a:uFillTx/>
-                <a:cs typeface="+mn-ea"/>
-                <a:sym typeface="+mn-lt"/>
-              </a:rPr>
-              <a:t>用户接口</a:t>
-            </a:r>
-            <a:endParaRPr lang="zh-CN" altLang="en-US" sz="2400" kern="0" noProof="0" dirty="0">
-              <a:ln>
-                <a:noFill/>
-              </a:ln>
-              <a:solidFill>
-                <a:srgbClr val="0070C0"/>
-              </a:solidFill>
-              <a:effectLst>
-                <a:outerShdw blurRad="38100" dist="38100" dir="2700000" algn="tl">
-                  <a:srgbClr val="000000">
-                    <a:alpha val="43137"/>
-                  </a:srgbClr>
-                </a:outerShdw>
-              </a:effectLst>
-              <a:uLnTx/>
-              <a:uFillTx/>
-              <a:cs typeface="+mn-ea"/>
-              <a:sym typeface="+mn-lt"/>
-            </a:endParaRPr>
-          </a:p>
-        </p:txBody>
-      </p:sp>
-      <p:sp>
-        <p:nvSpPr>
-          <p:cNvPr id="4" name="文本框 3"/>
-          <p:cNvSpPr txBox="1"/>
-          <p:nvPr/>
-        </p:nvSpPr>
-        <p:spPr>
-          <a:xfrm>
-            <a:off x="928370" y="3622143"/>
-            <a:ext cx="1924685" cy="460375"/>
-          </a:xfrm>
-          <a:prstGeom prst="rect">
-            <a:avLst/>
-          </a:prstGeom>
-          <a:solidFill>
-            <a:schemeClr val="bg1"/>
-          </a:solidFill>
-        </p:spPr>
-        <p:txBody>
-          <a:bodyPr wrap="square" rtlCol="0">
-            <a:spAutoFit/>
-          </a:bodyPr>
-          <a:lstStyle/>
-          <a:p>
-            <a:r>
-              <a:rPr lang="zh-CN" altLang="en-US" sz="2400" kern="0" noProof="0" dirty="0">
-                <a:ln>
-                  <a:noFill/>
-                </a:ln>
-                <a:solidFill>
-                  <a:srgbClr val="0070C0"/>
-                </a:solidFill>
-                <a:effectLst>
-                  <a:outerShdw blurRad="38100" dist="38100" dir="2700000" algn="tl">
-                    <a:srgbClr val="000000">
-                      <a:alpha val="43137"/>
-                    </a:srgbClr>
-                  </a:outerShdw>
-                </a:effectLst>
-                <a:uLnTx/>
-                <a:uFillTx/>
-                <a:cs typeface="+mn-ea"/>
-                <a:sym typeface="+mn-lt"/>
-              </a:rPr>
-              <a:t>软件接口</a:t>
-            </a:r>
-            <a:endParaRPr lang="zh-CN" altLang="en-US" sz="2400" kern="0" noProof="0" dirty="0">
-              <a:ln>
-                <a:noFill/>
-              </a:ln>
-              <a:solidFill>
-                <a:srgbClr val="0070C0"/>
-              </a:solidFill>
-              <a:effectLst>
-                <a:outerShdw blurRad="38100" dist="38100" dir="2700000" algn="tl">
-                  <a:srgbClr val="000000">
-                    <a:alpha val="43137"/>
-                  </a:srgbClr>
-                </a:outerShdw>
-              </a:effectLst>
-              <a:uLnTx/>
-              <a:uFillTx/>
-              <a:cs typeface="+mn-ea"/>
-              <a:sym typeface="+mn-lt"/>
-            </a:endParaRPr>
-          </a:p>
-        </p:txBody>
-      </p:sp>
-      <p:sp>
-        <p:nvSpPr>
-          <p:cNvPr id="7" name="文本框 6"/>
-          <p:cNvSpPr txBox="1"/>
-          <p:nvPr/>
-        </p:nvSpPr>
-        <p:spPr>
-          <a:xfrm>
-            <a:off x="918209" y="4488722"/>
-            <a:ext cx="1924685" cy="460375"/>
-          </a:xfrm>
-          <a:prstGeom prst="rect">
-            <a:avLst/>
-          </a:prstGeom>
-          <a:solidFill>
-            <a:schemeClr val="bg1"/>
-          </a:solidFill>
-        </p:spPr>
-        <p:txBody>
-          <a:bodyPr wrap="square" rtlCol="0">
-            <a:spAutoFit/>
-          </a:bodyPr>
-          <a:lstStyle/>
-          <a:p>
-            <a:r>
-              <a:rPr lang="zh-CN" sz="2400" kern="0" noProof="0" dirty="0">
-                <a:ln>
-                  <a:noFill/>
-                </a:ln>
-                <a:solidFill>
-                  <a:srgbClr val="0070C0"/>
-                </a:solidFill>
-                <a:effectLst>
-                  <a:outerShdw blurRad="38100" dist="38100" dir="2700000" algn="tl">
-                    <a:srgbClr val="000000">
-                      <a:alpha val="43137"/>
-                    </a:srgbClr>
-                  </a:outerShdw>
-                </a:effectLst>
-                <a:uLnTx/>
-                <a:uFillTx/>
-                <a:cs typeface="+mn-ea"/>
-                <a:sym typeface="+mn-lt"/>
-              </a:rPr>
-              <a:t>通信</a:t>
-            </a:r>
-            <a:r>
-              <a:rPr lang="zh-CN" altLang="en-US" sz="2400" kern="0" noProof="0" dirty="0">
-                <a:ln>
-                  <a:noFill/>
-                </a:ln>
-                <a:solidFill>
-                  <a:srgbClr val="0070C0"/>
-                </a:solidFill>
-                <a:effectLst>
-                  <a:outerShdw blurRad="38100" dist="38100" dir="2700000" algn="tl">
-                    <a:srgbClr val="000000">
-                      <a:alpha val="43137"/>
-                    </a:srgbClr>
-                  </a:outerShdw>
-                </a:effectLst>
-                <a:uLnTx/>
-                <a:uFillTx/>
-                <a:cs typeface="+mn-ea"/>
-                <a:sym typeface="+mn-lt"/>
-              </a:rPr>
-              <a:t>接口</a:t>
-            </a:r>
-            <a:endParaRPr lang="zh-CN" sz="2400" kern="0" noProof="0" dirty="0">
-              <a:ln>
-                <a:noFill/>
-              </a:ln>
-              <a:solidFill>
-                <a:srgbClr val="0070C0"/>
-              </a:solidFill>
-              <a:effectLst>
-                <a:outerShdw blurRad="38100" dist="38100" dir="2700000" algn="tl">
-                  <a:srgbClr val="000000">
-                    <a:alpha val="43137"/>
-                  </a:srgbClr>
-                </a:outerShdw>
-              </a:effectLst>
-              <a:uLnTx/>
-              <a:uFillTx/>
-              <a:cs typeface="+mn-ea"/>
-              <a:sym typeface="+mn-lt"/>
-            </a:endParaRPr>
-          </a:p>
-        </p:txBody>
-      </p:sp>
-      <p:sp>
-        <p:nvSpPr>
-          <p:cNvPr id="9" name="文本框 8"/>
-          <p:cNvSpPr txBox="1"/>
-          <p:nvPr/>
-        </p:nvSpPr>
-        <p:spPr>
-          <a:xfrm>
-            <a:off x="2853055" y="1747432"/>
-            <a:ext cx="7363000" cy="1631216"/>
-          </a:xfrm>
-          <a:prstGeom prst="rect">
-            <a:avLst/>
-          </a:prstGeom>
-          <a:noFill/>
-        </p:spPr>
-        <p:txBody>
-          <a:bodyPr wrap="square" rtlCol="0">
-            <a:spAutoFit/>
-          </a:bodyPr>
-          <a:lstStyle/>
-          <a:p>
-            <a:r>
-              <a:rPr lang="en-US" altLang="zh-CN" sz="2000" dirty="0">
-                <a:sym typeface="+mn-ea"/>
-              </a:rPr>
-              <a:t>1</a:t>
-            </a:r>
-            <a:r>
-              <a:rPr lang="zh-CN" altLang="en-US" sz="2000" dirty="0">
-                <a:sym typeface="+mn-ea"/>
-              </a:rPr>
-              <a:t>、实现文化组织、志愿者、游客三方“注册”“登录”，登录界面要有“忘记密码”；</a:t>
-            </a:r>
-            <a:endParaRPr lang="zh-CN" altLang="en-US" sz="2000" dirty="0">
-              <a:sym typeface="+mn-ea"/>
-            </a:endParaRPr>
-          </a:p>
-          <a:p>
-            <a:r>
-              <a:rPr lang="en-US" altLang="zh-CN" sz="2000" dirty="0">
-                <a:sym typeface="+mn-ea"/>
-              </a:rPr>
-              <a:t>2</a:t>
-            </a:r>
-            <a:r>
-              <a:rPr lang="zh-CN" altLang="en-US" sz="2000" dirty="0">
-                <a:sym typeface="+mn-ea"/>
-              </a:rPr>
-              <a:t>、游客首页要有</a:t>
-            </a:r>
-            <a:r>
-              <a:rPr lang="en-US" altLang="zh-CN" sz="2000" dirty="0">
-                <a:sym typeface="+mn-ea"/>
-              </a:rPr>
-              <a:t>GPS</a:t>
-            </a:r>
-            <a:r>
-              <a:rPr lang="zh-CN" altLang="en-US" sz="2000" dirty="0">
-                <a:sym typeface="+mn-ea"/>
-              </a:rPr>
-              <a:t>定位，并能够手动切换地点；</a:t>
-            </a:r>
-            <a:endParaRPr lang="zh-CN" altLang="en-US" sz="2000" dirty="0">
-              <a:sym typeface="+mn-ea"/>
-            </a:endParaRPr>
-          </a:p>
-          <a:p>
-            <a:r>
-              <a:rPr lang="en-US" altLang="zh-CN" sz="2000" dirty="0">
-                <a:sym typeface="+mn-ea"/>
-              </a:rPr>
-              <a:t>3</a:t>
-            </a:r>
-            <a:r>
-              <a:rPr lang="zh-CN" altLang="en-US" sz="2000" dirty="0">
-                <a:sym typeface="+mn-ea"/>
-              </a:rPr>
-              <a:t>、游客首页根据地点推送开放的可供参观的文化组织目的地；</a:t>
-            </a:r>
-            <a:endParaRPr lang="zh-CN" altLang="en-US" sz="2000" dirty="0">
-              <a:sym typeface="+mn-ea"/>
-            </a:endParaRPr>
-          </a:p>
-          <a:p>
-            <a:r>
-              <a:rPr lang="en-US" altLang="zh-CN" sz="2000" dirty="0">
-                <a:sym typeface="+mn-ea"/>
-              </a:rPr>
-              <a:t>4</a:t>
-            </a:r>
-            <a:r>
-              <a:rPr lang="zh-CN" altLang="en-US" sz="2000" dirty="0">
-                <a:sym typeface="+mn-ea"/>
-              </a:rPr>
-              <a:t>、游客首页要有“搜索”和“扫描”</a:t>
-            </a:r>
-            <a:endParaRPr lang="en-US" altLang="zh-CN" sz="2000" dirty="0">
-              <a:sym typeface="+mn-ea"/>
-            </a:endParaRPr>
-          </a:p>
-        </p:txBody>
-      </p:sp>
-      <p:sp>
-        <p:nvSpPr>
-          <p:cNvPr id="17" name="文本框 16"/>
-          <p:cNvSpPr txBox="1"/>
-          <p:nvPr/>
-        </p:nvSpPr>
-        <p:spPr>
-          <a:xfrm>
-            <a:off x="2842894" y="4519519"/>
-            <a:ext cx="6861810" cy="707886"/>
-          </a:xfrm>
-          <a:prstGeom prst="rect">
-            <a:avLst/>
-          </a:prstGeom>
-          <a:noFill/>
-        </p:spPr>
-        <p:txBody>
-          <a:bodyPr wrap="square" rtlCol="0">
-            <a:spAutoFit/>
-          </a:bodyPr>
-          <a:lstStyle/>
-          <a:p>
-            <a:r>
-              <a:rPr lang="en-US" altLang="zh-CN" sz="2000" dirty="0">
-                <a:sym typeface="+mn-ea"/>
-              </a:rPr>
-              <a:t>1</a:t>
-            </a:r>
-            <a:r>
-              <a:rPr lang="zh-CN" altLang="en-US" sz="2000" dirty="0">
-                <a:sym typeface="+mn-ea"/>
-              </a:rPr>
-              <a:t>、</a:t>
-            </a:r>
-            <a:r>
-              <a:rPr lang="en-US" altLang="zh-CN" sz="2000" dirty="0">
-                <a:sym typeface="+mn-ea"/>
-              </a:rPr>
-              <a:t>TCP/IP</a:t>
-            </a:r>
-            <a:r>
-              <a:rPr lang="zh-CN" altLang="en-US" sz="2000" dirty="0">
-                <a:sym typeface="+mn-ea"/>
-              </a:rPr>
-              <a:t>协议</a:t>
-            </a:r>
-            <a:endParaRPr lang="zh-CN" altLang="en-US" sz="2000" dirty="0">
-              <a:sym typeface="+mn-ea"/>
-            </a:endParaRPr>
-          </a:p>
-          <a:p>
-            <a:r>
-              <a:rPr lang="en-US" altLang="zh-CN" sz="2000" dirty="0">
-                <a:sym typeface="+mn-ea"/>
-              </a:rPr>
-              <a:t>2</a:t>
-            </a:r>
-            <a:r>
-              <a:rPr lang="zh-CN" altLang="en-US" sz="2000" dirty="0">
-                <a:sym typeface="+mn-ea"/>
-              </a:rPr>
-              <a:t>、</a:t>
-            </a:r>
-            <a:r>
-              <a:rPr lang="en-US" altLang="zh-CN" sz="2000" dirty="0">
-                <a:sym typeface="+mn-ea"/>
-              </a:rPr>
-              <a:t>HTTP</a:t>
-            </a:r>
-            <a:r>
-              <a:rPr lang="zh-CN" altLang="en-US" sz="2000" dirty="0">
-                <a:sym typeface="+mn-ea"/>
-              </a:rPr>
-              <a:t>协议</a:t>
-            </a:r>
-            <a:endParaRPr lang="zh-CN" altLang="en-US" sz="2000" dirty="0">
-              <a:sym typeface="+mn-ea"/>
-            </a:endParaRPr>
-          </a:p>
-        </p:txBody>
-      </p:sp>
-      <p:sp>
-        <p:nvSpPr>
-          <p:cNvPr id="5" name="文本框 4"/>
-          <p:cNvSpPr txBox="1"/>
-          <p:nvPr/>
-        </p:nvSpPr>
-        <p:spPr>
-          <a:xfrm>
-            <a:off x="2842895" y="3652275"/>
-            <a:ext cx="7247036" cy="400110"/>
-          </a:xfrm>
-          <a:prstGeom prst="rect">
-            <a:avLst/>
-          </a:prstGeom>
-          <a:noFill/>
-        </p:spPr>
-        <p:txBody>
-          <a:bodyPr wrap="square" rtlCol="0">
-            <a:spAutoFit/>
-          </a:bodyPr>
-          <a:lstStyle/>
-          <a:p>
-            <a:r>
-              <a:rPr lang="zh-CN" altLang="en-US" sz="2000" dirty="0">
-                <a:sym typeface="+mn-ea"/>
-              </a:rPr>
-              <a:t>与</a:t>
-            </a:r>
-            <a:r>
-              <a:rPr lang="en-US" altLang="zh-CN" sz="2000" dirty="0" err="1">
-                <a:sym typeface="+mn-ea"/>
-              </a:rPr>
-              <a:t>mysql</a:t>
-            </a:r>
-            <a:r>
-              <a:rPr lang="zh-CN" altLang="en-US" sz="2000" dirty="0">
-                <a:sym typeface="+mn-ea"/>
-              </a:rPr>
-              <a:t>数据库的接口，通过</a:t>
-            </a:r>
-            <a:r>
-              <a:rPr lang="en-US" altLang="zh-CN" sz="2000" dirty="0">
-                <a:sym typeface="+mn-ea"/>
-              </a:rPr>
-              <a:t>JDBC</a:t>
-            </a:r>
-            <a:r>
-              <a:rPr lang="zh-CN" altLang="en-US" sz="2000" dirty="0">
-                <a:sym typeface="+mn-ea"/>
-              </a:rPr>
-              <a:t>进行连接</a:t>
-            </a:r>
-            <a:endParaRPr lang="zh-CN" sz="2000" dirty="0">
-              <a:sym typeface="+mn-ea"/>
-            </a:endParaRPr>
-          </a:p>
-        </p:txBody>
-      </p:sp>
-    </p:spTree>
-    <p:custDataLst>
-      <p:tags r:id="rId1"/>
-    </p:custDataLst>
-  </p:cSld>
-  <p:clrMapOvr>
-    <a:masterClrMapping/>
-  </p:clrMapOvr>
-  <p:transition>
-    <p:split orient="vert" dir="in"/>
-  </p:transition>
-</p:sld>
-</file>
-
-<file path=ppt/slides/slide11.xml><?xml version="1.0" encoding="utf-8"?>
-<p:sld xmlns:a="http://schemas.openxmlformats.org/drawingml/2006/main" xmlns:r="http://schemas.openxmlformats.org/officeDocument/2006/relationships" xmlns:p="http://schemas.openxmlformats.org/presentationml/2006/main">
-  <p:cSld>
-    <p:spTree>
-      <p:nvGrpSpPr>
-        <p:cNvPr id="1" name=""/>
-        <p:cNvGrpSpPr/>
-        <p:nvPr/>
-      </p:nvGrpSpPr>
-      <p:grpSpPr>
-        <a:xfrm>
-          <a:off x="0" y="0"/>
-          <a:ext cx="0" cy="0"/>
-          <a:chOff x="0" y="0"/>
-          <a:chExt cx="0" cy="0"/>
-        </a:xfrm>
-      </p:grpSpPr>
       <p:pic>
         <p:nvPicPr>
           <p:cNvPr id="3" name="图形"/>
@@ -5831,6 +5266,140 @@
 </p:sld>
 </file>
 
+<file path=ppt/slides/slide11.xml><?xml version="1.0" encoding="utf-8"?>
+<p:sld xmlns:a="http://schemas.openxmlformats.org/drawingml/2006/main" xmlns:r="http://schemas.openxmlformats.org/officeDocument/2006/relationships" xmlns:p="http://schemas.openxmlformats.org/presentationml/2006/main">
+  <p:cSld>
+    <p:spTree>
+      <p:nvGrpSpPr>
+        <p:cNvPr id="1" name=""/>
+        <p:cNvGrpSpPr/>
+        <p:nvPr/>
+      </p:nvGrpSpPr>
+      <p:grpSpPr>
+        <a:xfrm>
+          <a:off x="0" y="0"/>
+          <a:ext cx="0" cy="0"/>
+          <a:chOff x="0" y="0"/>
+          <a:chExt cx="0" cy="0"/>
+        </a:xfrm>
+      </p:grpSpPr>
+      <p:sp>
+        <p:nvSpPr>
+          <p:cNvPr id="2" name="矩形 1"/>
+          <p:cNvSpPr/>
+          <p:nvPr/>
+        </p:nvSpPr>
+        <p:spPr>
+          <a:xfrm>
+            <a:off x="394970" y="343535"/>
+            <a:ext cx="3592830" cy="949325"/>
+          </a:xfrm>
+          <a:prstGeom prst="rect">
+            <a:avLst/>
+          </a:prstGeom>
+          <a:solidFill>
+            <a:schemeClr val="bg1"/>
+          </a:solidFill>
+          <a:ln>
+            <a:noFill/>
+          </a:ln>
+        </p:spPr>
+        <p:style>
+          <a:lnRef idx="2">
+            <a:schemeClr val="accent1">
+              <a:shade val="50000"/>
+            </a:schemeClr>
+          </a:lnRef>
+          <a:fillRef idx="1">
+            <a:schemeClr val="accent1"/>
+          </a:fillRef>
+          <a:effectRef idx="0">
+            <a:schemeClr val="accent1"/>
+          </a:effectRef>
+          <a:fontRef idx="minor">
+            <a:schemeClr val="lt1"/>
+          </a:fontRef>
+        </p:style>
+        <p:txBody>
+          <a:bodyPr rtlCol="0" anchor="ctr"/>
+          <a:lstStyle/>
+          <a:p>
+            <a:pPr algn="l"/>
+            <a:r>
+              <a:rPr lang="en-US" altLang="zh-CN" sz="3200" b="1">
+                <a:solidFill>
+                  <a:schemeClr val="tx1"/>
+                </a:solidFill>
+                <a:latin typeface="华文细黑" panose="02010600040101010101" charset="-122"/>
+                <a:ea typeface="华文细黑" panose="02010600040101010101" charset="-122"/>
+                <a:cs typeface="华文细黑" panose="02010600040101010101" charset="-122"/>
+              </a:rPr>
+              <a:t> </a:t>
+            </a:r>
+            <a:r>
+              <a:rPr lang="zh-CN" altLang="en-US" sz="3200" b="1">
+                <a:solidFill>
+                  <a:schemeClr val="tx1"/>
+                </a:solidFill>
+                <a:latin typeface="华文细黑" panose="02010600040101010101" charset="-122"/>
+                <a:ea typeface="华文细黑" panose="02010600040101010101" charset="-122"/>
+                <a:cs typeface="华文细黑" panose="02010600040101010101" charset="-122"/>
+              </a:rPr>
+              <a:t>系统流程图</a:t>
+            </a:r>
+            <a:endParaRPr lang="zh-CN" altLang="en-US" sz="3200" b="1">
+              <a:solidFill>
+                <a:schemeClr val="tx1"/>
+              </a:solidFill>
+              <a:latin typeface="华文细黑" panose="02010600040101010101" charset="-122"/>
+              <a:ea typeface="华文细黑" panose="02010600040101010101" charset="-122"/>
+              <a:cs typeface="华文细黑" panose="02010600040101010101" charset="-122"/>
+            </a:endParaRPr>
+          </a:p>
+        </p:txBody>
+      </p:sp>
+      <p:pic>
+        <p:nvPicPr>
+          <p:cNvPr id="3" name="图片 2" descr="sysG09"/>
+          <p:cNvPicPr>
+            <a:picLocks noChangeAspect="1"/>
+          </p:cNvPicPr>
+          <p:nvPr>
+            <p:custDataLst>
+              <p:tags r:id="rId1"/>
+            </p:custDataLst>
+          </p:nvPr>
+        </p:nvPicPr>
+        <p:blipFill>
+          <a:blip r:embed="rId2"/>
+          <a:stretch>
+            <a:fillRect/>
+          </a:stretch>
+        </p:blipFill>
+        <p:spPr>
+          <a:xfrm>
+            <a:off x="2719070" y="462915"/>
+            <a:ext cx="7366224" cy="5956171"/>
+          </a:xfrm>
+          <a:prstGeom prst="rect">
+            <a:avLst/>
+          </a:prstGeom>
+        </p:spPr>
+      </p:pic>
+    </p:spTree>
+    <p:custDataLst>
+      <p:tags r:id="rId3"/>
+    </p:custDataLst>
+  </p:cSld>
+  <p:clrMapOvr>
+    <a:masterClrMapping/>
+  </p:clrMapOvr>
+  <p:transition>
+    <p:plus/>
+  </p:transition>
+</p:sld>
+</file>
+
 <file path=ppt/slides/slide12.xml><?xml version="1.0" encoding="utf-8"?>
 <p:sld xmlns:a="http://schemas.openxmlformats.org/drawingml/2006/main" xmlns:r="http://schemas.openxmlformats.org/officeDocument/2006/relationships" xmlns:p="http://schemas.openxmlformats.org/presentationml/2006/main">
   <p:cSld>
@@ -5910,7 +5479,7 @@
                 <a:ea typeface="华文细黑" panose="02010600040101010101" charset="-122"/>
                 <a:cs typeface="华文细黑" panose="02010600040101010101" charset="-122"/>
               </a:rPr>
-              <a:t>系统流程图</a:t>
+              <a:t>数据流程图</a:t>
             </a:r>
             <a:endParaRPr lang="zh-CN" altLang="en-US" sz="3200" b="1">
               <a:solidFill>
@@ -5925,31 +5494,39 @@
       </p:sp>
       <p:pic>
         <p:nvPicPr>
-          <p:cNvPr id="4" name="图片 3" descr="系统流程图"/>
+          <p:cNvPr id="-2147482608" name="图片 -2147482609" descr="5a8d4c2308b7020e7c653226ab6f9c8"/>
           <p:cNvPicPr>
             <a:picLocks noChangeAspect="1"/>
           </p:cNvPicPr>
-          <p:nvPr/>
+          <p:nvPr>
+            <p:custDataLst>
+              <p:tags r:id="rId1"/>
+            </p:custDataLst>
+          </p:nvPr>
         </p:nvPicPr>
         <p:blipFill>
-          <a:blip r:embed="rId1"/>
+          <a:blip r:embed="rId2"/>
           <a:stretch>
             <a:fillRect/>
           </a:stretch>
         </p:blipFill>
         <p:spPr>
           <a:xfrm>
-            <a:off x="2702560" y="640715"/>
-            <a:ext cx="6292850" cy="5575935"/>
+            <a:off x="2919730" y="440055"/>
+            <a:ext cx="7515225" cy="5978525"/>
           </a:xfrm>
           <a:prstGeom prst="rect">
             <a:avLst/>
           </a:prstGeom>
+          <a:noFill/>
+          <a:ln w="9525">
+            <a:noFill/>
+          </a:ln>
         </p:spPr>
       </p:pic>
     </p:spTree>
     <p:custDataLst>
-      <p:tags r:id="rId2"/>
+      <p:tags r:id="rId3"/>
     </p:custDataLst>
   </p:cSld>
   <p:clrMapOvr>
@@ -5962,136 +5539,6 @@
 </file>
 
 <file path=ppt/slides/slide13.xml><?xml version="1.0" encoding="utf-8"?>
-<p:sld xmlns:a="http://schemas.openxmlformats.org/drawingml/2006/main" xmlns:r="http://schemas.openxmlformats.org/officeDocument/2006/relationships" xmlns:p="http://schemas.openxmlformats.org/presentationml/2006/main">
-  <p:cSld>
-    <p:spTree>
-      <p:nvGrpSpPr>
-        <p:cNvPr id="1" name=""/>
-        <p:cNvGrpSpPr/>
-        <p:nvPr/>
-      </p:nvGrpSpPr>
-      <p:grpSpPr>
-        <a:xfrm>
-          <a:off x="0" y="0"/>
-          <a:ext cx="0" cy="0"/>
-          <a:chOff x="0" y="0"/>
-          <a:chExt cx="0" cy="0"/>
-        </a:xfrm>
-      </p:grpSpPr>
-      <p:pic>
-        <p:nvPicPr>
-          <p:cNvPr id="4" name="图片 3" descr="数据流图"/>
-          <p:cNvPicPr>
-            <a:picLocks noChangeAspect="1"/>
-          </p:cNvPicPr>
-          <p:nvPr/>
-        </p:nvPicPr>
-        <p:blipFill>
-          <a:blip r:embed="rId1"/>
-          <a:stretch>
-            <a:fillRect/>
-          </a:stretch>
-        </p:blipFill>
-        <p:spPr>
-          <a:xfrm>
-            <a:off x="1818640" y="845820"/>
-            <a:ext cx="8267700" cy="5282565"/>
-          </a:xfrm>
-          <a:prstGeom prst="rect">
-            <a:avLst/>
-          </a:prstGeom>
-        </p:spPr>
-      </p:pic>
-      <p:sp>
-        <p:nvSpPr>
-          <p:cNvPr id="2" name="矩形 1"/>
-          <p:cNvSpPr/>
-          <p:nvPr/>
-        </p:nvSpPr>
-        <p:spPr>
-          <a:xfrm>
-            <a:off x="394970" y="343535"/>
-            <a:ext cx="3592830" cy="949325"/>
-          </a:xfrm>
-          <a:prstGeom prst="rect">
-            <a:avLst/>
-          </a:prstGeom>
-          <a:solidFill>
-            <a:schemeClr val="bg1"/>
-          </a:solidFill>
-          <a:ln>
-            <a:noFill/>
-          </a:ln>
-        </p:spPr>
-        <p:style>
-          <a:lnRef idx="2">
-            <a:schemeClr val="accent1">
-              <a:shade val="50000"/>
-            </a:schemeClr>
-          </a:lnRef>
-          <a:fillRef idx="1">
-            <a:schemeClr val="accent1"/>
-          </a:fillRef>
-          <a:effectRef idx="0">
-            <a:schemeClr val="accent1"/>
-          </a:effectRef>
-          <a:fontRef idx="minor">
-            <a:schemeClr val="lt1"/>
-          </a:fontRef>
-        </p:style>
-        <p:txBody>
-          <a:bodyPr rtlCol="0" anchor="ctr"/>
-          <a:lstStyle/>
-          <a:p>
-            <a:pPr algn="l"/>
-            <a:r>
-              <a:rPr lang="en-US" altLang="zh-CN" sz="3200" b="1">
-                <a:solidFill>
-                  <a:schemeClr val="tx1"/>
-                </a:solidFill>
-                <a:latin typeface="华文细黑" panose="02010600040101010101" charset="-122"/>
-                <a:ea typeface="华文细黑" panose="02010600040101010101" charset="-122"/>
-                <a:cs typeface="华文细黑" panose="02010600040101010101" charset="-122"/>
-              </a:rPr>
-              <a:t> </a:t>
-            </a:r>
-            <a:r>
-              <a:rPr lang="zh-CN" altLang="en-US" sz="3200" b="1">
-                <a:solidFill>
-                  <a:schemeClr val="tx1"/>
-                </a:solidFill>
-                <a:latin typeface="华文细黑" panose="02010600040101010101" charset="-122"/>
-                <a:ea typeface="华文细黑" panose="02010600040101010101" charset="-122"/>
-                <a:cs typeface="华文细黑" panose="02010600040101010101" charset="-122"/>
-              </a:rPr>
-              <a:t>数据流程图</a:t>
-            </a:r>
-            <a:endParaRPr lang="zh-CN" altLang="en-US" sz="3200" b="1">
-              <a:solidFill>
-                <a:schemeClr val="tx1"/>
-              </a:solidFill>
-              <a:latin typeface="华文细黑" panose="02010600040101010101" charset="-122"/>
-              <a:ea typeface="华文细黑" panose="02010600040101010101" charset="-122"/>
-              <a:cs typeface="华文细黑" panose="02010600040101010101" charset="-122"/>
-            </a:endParaRPr>
-          </a:p>
-        </p:txBody>
-      </p:sp>
-    </p:spTree>
-    <p:custDataLst>
-      <p:tags r:id="rId2"/>
-    </p:custDataLst>
-  </p:cSld>
-  <p:clrMapOvr>
-    <a:masterClrMapping/>
-  </p:clrMapOvr>
-  <p:transition>
-    <p:plus/>
-  </p:transition>
-</p:sld>
-</file>
-
-<file path=ppt/slides/slide14.xml><?xml version="1.0" encoding="utf-8"?>
 <p:sld xmlns:a="http://schemas.openxmlformats.org/drawingml/2006/main" xmlns:r="http://schemas.openxmlformats.org/officeDocument/2006/relationships" xmlns:p="http://schemas.openxmlformats.org/presentationml/2006/main">
   <p:cSld>
     <p:spTree>
@@ -6229,7 +5676,7 @@
       </p:sp>
       <p:pic>
         <p:nvPicPr>
-          <p:cNvPr id="4" name="图片 3" descr="ER图"/>
+          <p:cNvPr id="3" name="图片 2"/>
           <p:cNvPicPr>
             <a:picLocks noChangeAspect="1"/>
           </p:cNvPicPr>
@@ -6243,14 +5690,110 @@
         </p:blipFill>
         <p:spPr>
           <a:xfrm>
-            <a:off x="5358765" y="343535"/>
-            <a:ext cx="6344920" cy="6294755"/>
+            <a:off x="4088526" y="977464"/>
+            <a:ext cx="7087508" cy="5265180"/>
           </a:xfrm>
           <a:prstGeom prst="rect">
             <a:avLst/>
           </a:prstGeom>
         </p:spPr>
       </p:pic>
+      <p:sp>
+        <p:nvSpPr>
+          <p:cNvPr id="5" name="文本框 4"/>
+          <p:cNvSpPr txBox="1"/>
+          <p:nvPr/>
+        </p:nvSpPr>
+        <p:spPr>
+          <a:xfrm>
+            <a:off x="1724181" y="1650449"/>
+            <a:ext cx="1821332" cy="2031325"/>
+          </a:xfrm>
+          <a:prstGeom prst="rect">
+            <a:avLst/>
+          </a:prstGeom>
+          <a:noFill/>
+        </p:spPr>
+        <p:txBody>
+          <a:bodyPr wrap="none" rtlCol="0">
+            <a:spAutoFit/>
+          </a:bodyPr>
+          <a:lstStyle/>
+          <a:p>
+            <a:r>
+              <a:rPr lang="zh-CN" altLang="en-US" dirty="0"/>
+              <a:t>实体：</a:t>
+            </a:r>
+            <a:endParaRPr lang="en-US" altLang="zh-CN" dirty="0"/>
+          </a:p>
+          <a:p>
+            <a:r>
+              <a:rPr lang="en-US" altLang="zh-CN" dirty="0"/>
+              <a:t>       </a:t>
+            </a:r>
+            <a:r>
+              <a:rPr lang="zh-CN" altLang="en-US" dirty="0"/>
+              <a:t>管理员；</a:t>
+            </a:r>
+            <a:endParaRPr lang="en-US" altLang="zh-CN" dirty="0"/>
+          </a:p>
+          <a:p>
+            <a:r>
+              <a:rPr lang="en-US" altLang="zh-CN" dirty="0"/>
+              <a:t>       </a:t>
+            </a:r>
+            <a:r>
+              <a:rPr lang="zh-CN" altLang="en-US" dirty="0"/>
+              <a:t>志愿者；</a:t>
+            </a:r>
+            <a:endParaRPr lang="en-US" altLang="zh-CN" dirty="0"/>
+          </a:p>
+          <a:p>
+            <a:r>
+              <a:rPr lang="en-US" altLang="zh-CN" dirty="0"/>
+              <a:t>       </a:t>
+            </a:r>
+            <a:r>
+              <a:rPr lang="zh-CN" altLang="en-US" dirty="0"/>
+              <a:t>文化组织；</a:t>
+            </a:r>
+            <a:endParaRPr lang="en-US" altLang="zh-CN" dirty="0"/>
+          </a:p>
+          <a:p>
+            <a:r>
+              <a:rPr lang="en-US" altLang="zh-CN" dirty="0"/>
+              <a:t>       </a:t>
+            </a:r>
+            <a:r>
+              <a:rPr lang="zh-CN" altLang="en-US" dirty="0"/>
+              <a:t>游客；</a:t>
+            </a:r>
+            <a:endParaRPr lang="en-US" altLang="zh-CN" dirty="0"/>
+          </a:p>
+          <a:p>
+            <a:r>
+              <a:rPr lang="en-US" altLang="zh-CN" dirty="0"/>
+              <a:t>       </a:t>
+            </a:r>
+            <a:r>
+              <a:rPr lang="zh-CN" altLang="en-US" dirty="0"/>
+              <a:t>公告；</a:t>
+            </a:r>
+            <a:endParaRPr lang="en-US" altLang="zh-CN" dirty="0"/>
+          </a:p>
+          <a:p>
+            <a:r>
+              <a:rPr lang="en-US" altLang="zh-CN" dirty="0"/>
+              <a:t>       </a:t>
+            </a:r>
+            <a:r>
+              <a:rPr lang="zh-CN" altLang="en-US" dirty="0"/>
+              <a:t>时间表；</a:t>
+            </a:r>
+            <a:endParaRPr lang="en-US" altLang="zh-CN" dirty="0"/>
+          </a:p>
+        </p:txBody>
+      </p:sp>
     </p:spTree>
     <p:custDataLst>
       <p:tags r:id="rId2"/>
@@ -6265,313 +5808,7 @@
 </p:sld>
 </file>
 
-<file path=ppt/slides/slide15.xml><?xml version="1.0" encoding="utf-8"?>
-<p:sld xmlns:a="http://schemas.openxmlformats.org/drawingml/2006/main" xmlns:r="http://schemas.openxmlformats.org/officeDocument/2006/relationships" xmlns:p="http://schemas.openxmlformats.org/presentationml/2006/main">
-  <p:cSld>
-    <p:spTree>
-      <p:nvGrpSpPr>
-        <p:cNvPr id="1" name=""/>
-        <p:cNvGrpSpPr/>
-        <p:nvPr/>
-      </p:nvGrpSpPr>
-      <p:grpSpPr/>
-      <p:sp>
-        <p:nvSpPr>
-          <p:cNvPr id="2" name="矩形 1"/>
-          <p:cNvSpPr/>
-          <p:nvPr/>
-        </p:nvSpPr>
-        <p:spPr>
-          <a:xfrm>
-            <a:off x="394970" y="343535"/>
-            <a:ext cx="3592830" cy="949325"/>
-          </a:xfrm>
-          <a:prstGeom prst="rect">
-            <a:avLst/>
-          </a:prstGeom>
-          <a:solidFill>
-            <a:schemeClr val="bg1"/>
-          </a:solidFill>
-          <a:ln>
-            <a:noFill/>
-          </a:ln>
-        </p:spPr>
-        <p:style>
-          <a:lnRef idx="2">
-            <a:schemeClr val="accent1">
-              <a:shade val="50000"/>
-            </a:schemeClr>
-          </a:lnRef>
-          <a:fillRef idx="1">
-            <a:schemeClr val="accent1"/>
-          </a:fillRef>
-          <a:effectRef idx="0">
-            <a:schemeClr val="accent1"/>
-          </a:effectRef>
-          <a:fontRef idx="minor">
-            <a:schemeClr val="lt1"/>
-          </a:fontRef>
-        </p:style>
-        <p:txBody>
-          <a:bodyPr rtlCol="0" anchor="ctr"/>
-          <a:p>
-            <a:pPr algn="l"/>
-            <a:r>
-              <a:rPr lang="zh-CN" sz="3200" b="1" dirty="0">
-                <a:solidFill>
-                  <a:schemeClr val="tx1"/>
-                </a:solidFill>
-                <a:latin typeface="华文细黑" panose="02010600040101010101" charset="-122"/>
-                <a:ea typeface="华文细黑" panose="02010600040101010101" charset="-122"/>
-                <a:cs typeface="华文细黑" panose="02010600040101010101" charset="-122"/>
-              </a:rPr>
-              <a:t>参考文献</a:t>
-            </a:r>
-            <a:endParaRPr lang="zh-CN" sz="3200" b="1" dirty="0">
-              <a:solidFill>
-                <a:schemeClr val="tx1"/>
-              </a:solidFill>
-              <a:latin typeface="华文细黑" panose="02010600040101010101" charset="-122"/>
-              <a:ea typeface="华文细黑" panose="02010600040101010101" charset="-122"/>
-              <a:cs typeface="华文细黑" panose="02010600040101010101" charset="-122"/>
-            </a:endParaRPr>
-          </a:p>
-        </p:txBody>
-      </p:sp>
-      <p:sp>
-        <p:nvSpPr>
-          <p:cNvPr id="100" name="文本框 99"/>
-          <p:cNvSpPr txBox="1"/>
-          <p:nvPr/>
-        </p:nvSpPr>
-        <p:spPr>
-          <a:xfrm>
-            <a:off x="963295" y="2454275"/>
-            <a:ext cx="7907020" cy="368300"/>
-          </a:xfrm>
-          <a:prstGeom prst="rect">
-            <a:avLst/>
-          </a:prstGeom>
-          <a:noFill/>
-          <a:ln w="9525">
-            <a:noFill/>
-          </a:ln>
-        </p:spPr>
-        <p:txBody>
-          <a:bodyPr wrap="square">
-            <a:spAutoFit/>
-          </a:bodyPr>
-          <a:p>
-            <a:pPr indent="304800"/>
-            <a:r>
-              <a:rPr lang="zh-CN" b="0">
-                <a:latin typeface="Calibri" panose="020F0502020204030204" charset="0"/>
-                <a:ea typeface="宋体" panose="02010600030101010101" pitchFamily="2" charset="-122"/>
-              </a:rPr>
-              <a:t>（</a:t>
-            </a:r>
-            <a:r>
-              <a:rPr lang="en-US" b="0">
-                <a:latin typeface="Calibri" panose="020F0502020204030204" charset="0"/>
-                <a:ea typeface="宋体" panose="02010600030101010101" pitchFamily="2" charset="-122"/>
-              </a:rPr>
-              <a:t>1</a:t>
-            </a:r>
-            <a:r>
-              <a:rPr lang="zh-CN" b="0">
-                <a:latin typeface="Calibri" panose="020F0502020204030204" charset="0"/>
-                <a:ea typeface="宋体" panose="02010600030101010101" pitchFamily="2" charset="-122"/>
-              </a:rPr>
-              <a:t>）《软件工程导论（第</a:t>
-            </a:r>
-            <a:r>
-              <a:rPr lang="en-US" b="0">
-                <a:latin typeface="Calibri" panose="020F0502020204030204" charset="0"/>
-                <a:ea typeface="宋体" panose="02010600030101010101" pitchFamily="2" charset="-122"/>
-              </a:rPr>
-              <a:t>6</a:t>
-            </a:r>
-            <a:r>
-              <a:rPr lang="zh-CN" b="0">
-                <a:latin typeface="Calibri" panose="020F0502020204030204" charset="0"/>
-                <a:ea typeface="宋体" panose="02010600030101010101" pitchFamily="2" charset="-122"/>
-              </a:rPr>
-              <a:t>版）》</a:t>
-            </a:r>
-            <a:r>
-              <a:rPr lang="en-US" b="0">
-                <a:latin typeface="Calibri" panose="020F0502020204030204" charset="0"/>
-                <a:ea typeface="宋体" panose="02010600030101010101" pitchFamily="2" charset="-122"/>
-                <a:cs typeface="Times New Roman" panose="02020603050405020304" pitchFamily="18" charset="0"/>
-              </a:rPr>
-              <a:t> </a:t>
-            </a:r>
-            <a:r>
-              <a:rPr lang="zh-CN" b="0">
-                <a:latin typeface="Calibri" panose="020F0502020204030204" charset="0"/>
-                <a:ea typeface="宋体" panose="02010600030101010101" pitchFamily="2" charset="-122"/>
-              </a:rPr>
-              <a:t>张海藩、牟永敏</a:t>
-            </a:r>
-            <a:r>
-              <a:rPr lang="en-US" b="0">
-                <a:latin typeface="Calibri" panose="020F0502020204030204" charset="0"/>
-                <a:ea typeface="宋体" panose="02010600030101010101" pitchFamily="2" charset="-122"/>
-                <a:cs typeface="Times New Roman" panose="02020603050405020304" pitchFamily="18" charset="0"/>
-              </a:rPr>
-              <a:t> </a:t>
-            </a:r>
-            <a:r>
-              <a:rPr lang="zh-CN" b="0">
-                <a:latin typeface="Calibri" panose="020F0502020204030204" charset="0"/>
-                <a:ea typeface="宋体" panose="02010600030101010101" pitchFamily="2" charset="-122"/>
-              </a:rPr>
-              <a:t>清华大学出版社</a:t>
-            </a:r>
-            <a:endParaRPr lang="zh-CN" altLang="en-US" b="0">
-              <a:latin typeface="Calibri" panose="020F0502020204030204" charset="0"/>
-              <a:ea typeface="宋体" panose="02010600030101010101" pitchFamily="2" charset="-122"/>
-            </a:endParaRPr>
-          </a:p>
-        </p:txBody>
-      </p:sp>
-      <p:sp>
-        <p:nvSpPr>
-          <p:cNvPr id="3" name="文本框 2"/>
-          <p:cNvSpPr txBox="1"/>
-          <p:nvPr/>
-        </p:nvSpPr>
-        <p:spPr>
-          <a:xfrm>
-            <a:off x="963295" y="3093720"/>
-            <a:ext cx="10324465" cy="368300"/>
-          </a:xfrm>
-          <a:prstGeom prst="rect">
-            <a:avLst/>
-          </a:prstGeom>
-          <a:noFill/>
-          <a:ln w="9525">
-            <a:noFill/>
-          </a:ln>
-        </p:spPr>
-        <p:txBody>
-          <a:bodyPr wrap="square">
-            <a:spAutoFit/>
-          </a:bodyPr>
-          <a:p>
-            <a:pPr indent="304800"/>
-            <a:r>
-              <a:rPr lang="zh-CN" altLang="en-US" b="0">
-                <a:solidFill>
-                  <a:schemeClr val="tx1"/>
-                </a:solidFill>
-                <a:ea typeface="宋体" panose="02010600030101010101" pitchFamily="2" charset="-122"/>
-              </a:rPr>
-              <a:t>（</a:t>
-            </a:r>
-            <a:r>
-              <a:rPr lang="en-US" altLang="zh-CN" b="0">
-                <a:solidFill>
-                  <a:schemeClr val="tx1"/>
-                </a:solidFill>
-                <a:ea typeface="宋体" panose="02010600030101010101" pitchFamily="2" charset="-122"/>
-              </a:rPr>
-              <a:t>2</a:t>
-            </a:r>
-            <a:r>
-              <a:rPr lang="zh-CN" altLang="en-US" b="0">
-                <a:solidFill>
-                  <a:schemeClr val="tx1"/>
-                </a:solidFill>
-                <a:ea typeface="宋体" panose="02010600030101010101" pitchFamily="2" charset="-122"/>
-              </a:rPr>
-              <a:t>）Android 系统api实现定位及使用百度提供的api来实现定位 - 走看看 (zoukankan.com)</a:t>
-            </a:r>
-            <a:endParaRPr lang="zh-CN" altLang="en-US" b="0">
-              <a:solidFill>
-                <a:schemeClr val="tx1"/>
-              </a:solidFill>
-              <a:ea typeface="宋体" panose="02010600030101010101" pitchFamily="2" charset="-122"/>
-            </a:endParaRPr>
-          </a:p>
-        </p:txBody>
-      </p:sp>
-      <p:sp>
-        <p:nvSpPr>
-          <p:cNvPr id="4" name="文本框 3"/>
-          <p:cNvSpPr txBox="1"/>
-          <p:nvPr/>
-        </p:nvSpPr>
-        <p:spPr>
-          <a:xfrm>
-            <a:off x="968375" y="3769995"/>
-            <a:ext cx="7907020" cy="368300"/>
-          </a:xfrm>
-          <a:prstGeom prst="rect">
-            <a:avLst/>
-          </a:prstGeom>
-          <a:noFill/>
-          <a:ln w="9525">
-            <a:noFill/>
-          </a:ln>
-        </p:spPr>
-        <p:txBody>
-          <a:bodyPr wrap="square">
-            <a:spAutoFit/>
-          </a:bodyPr>
-          <a:p>
-            <a:pPr indent="304800"/>
-            <a:r>
-              <a:rPr lang="zh-CN" b="0">
-                <a:latin typeface="Calibri" panose="020F0502020204030204" charset="0"/>
-                <a:ea typeface="宋体" panose="02010600030101010101" pitchFamily="2" charset="-122"/>
-              </a:rPr>
-              <a:t>（</a:t>
-            </a:r>
-            <a:r>
-              <a:rPr lang="en-US" altLang="zh-CN" b="0">
-                <a:latin typeface="Calibri" panose="020F0502020204030204" charset="0"/>
-                <a:ea typeface="宋体" panose="02010600030101010101" pitchFamily="2" charset="-122"/>
-              </a:rPr>
-              <a:t>3</a:t>
-            </a:r>
-            <a:r>
-              <a:rPr lang="zh-CN" b="0">
-                <a:latin typeface="Calibri" panose="020F0502020204030204" charset="0"/>
-                <a:ea typeface="宋体" panose="02010600030101010101" pitchFamily="2" charset="-122"/>
-              </a:rPr>
-              <a:t>）《计算机软件文档编制规范》</a:t>
-            </a:r>
-            <a:r>
-              <a:rPr lang="en-US" b="0">
-                <a:latin typeface="Calibri" panose="020F0502020204030204" charset="0"/>
-                <a:ea typeface="宋体" panose="02010600030101010101" pitchFamily="2" charset="-122"/>
-                <a:cs typeface="Times New Roman" panose="02020603050405020304" pitchFamily="18" charset="0"/>
-              </a:rPr>
-              <a:t> GB/T 8567-2006</a:t>
-            </a:r>
-            <a:endParaRPr lang="zh-CN" altLang="en-US" b="0">
-              <a:latin typeface="Calibri" panose="020F0502020204030204" charset="0"/>
-              <a:ea typeface="宋体" panose="02010600030101010101" pitchFamily="2" charset="-122"/>
-            </a:endParaRPr>
-          </a:p>
-        </p:txBody>
-      </p:sp>
-    </p:spTree>
-    <p:custDataLst>
-      <p:tags r:id="rId1"/>
-    </p:custDataLst>
-  </p:cSld>
-  <p:clrMapOvr>
-    <a:masterClrMapping/>
-  </p:clrMapOvr>
-  <p:transition>
-    <p:wedge/>
-  </p:transition>
-</p:sld>
-</file>
-
-<file path=ppt/slides/slide16.xml><?xml version="1.0" encoding="utf-8"?>
+<file path=ppt/slides/slide14.xml><?xml version="1.0" encoding="utf-8"?>
 <p:sld xmlns:a="http://schemas.openxmlformats.org/drawingml/2006/main" xmlns:r="http://schemas.openxmlformats.org/officeDocument/2006/relationships" xmlns:p="http://schemas.openxmlformats.org/presentationml/2006/main">
   <p:cSld>
     <p:spTree>
@@ -7345,7 +6582,7 @@
                 <a:cs typeface="幼圆" panose="02010509060101010101" charset="-122"/>
                 <a:sym typeface="+mn-ea"/>
               </a:rPr>
-              <a:t>90</a:t>
+              <a:t>96</a:t>
             </a:r>
             <a:r>
               <a:rPr lang="zh-CN" altLang="en-US" sz="2000" b="1" dirty="0">
@@ -7397,14 +6634,6 @@
               <a:t>ppt</a:t>
             </a:r>
             <a:r>
-              <a:rPr lang="zh-CN" altLang="en-US" sz="2000" b="1" dirty="0">
-                <a:latin typeface="幼圆" panose="02010509060101010101" charset="-122"/>
-                <a:ea typeface="幼圆" panose="02010509060101010101" charset="-122"/>
-                <a:cs typeface="幼圆" panose="02010509060101010101" charset="-122"/>
-              </a:rPr>
-              <a:t>、访谈、数据字典</a:t>
-            </a:r>
-            <a:r>
               <a:rPr lang="zh-CN" sz="2000" b="1" dirty="0">
                 <a:latin typeface="幼圆" panose="02010509060101010101" charset="-122"/>
                 <a:ea typeface="幼圆" panose="02010509060101010101" charset="-122"/>
@@ -7436,7 +6665,7 @@
                 <a:cs typeface="幼圆" panose="02010509060101010101" charset="-122"/>
                 <a:sym typeface="+mn-ea"/>
               </a:rPr>
-              <a:t>92</a:t>
+              <a:t>90</a:t>
             </a:r>
             <a:r>
               <a:rPr lang="zh-CN" altLang="en-US" sz="2000" b="1" dirty="0">
@@ -7477,7 +6706,7 @@
                 <a:ea typeface="幼圆" panose="02010509060101010101" charset="-122"/>
                 <a:cs typeface="幼圆" panose="02010509060101010101" charset="-122"/>
               </a:rPr>
-              <a:t>吴佳丽（各类图的绘制、原型界面绘制）</a:t>
+              <a:t>吴佳丽（逻辑模型、各类图的绘制）</a:t>
             </a:r>
             <a:r>
               <a:rPr lang="en-US" altLang="zh-CN" sz="2000" b="1" dirty="0">
@@ -7680,282 +6909,6 @@
 </file>
 
 <file path=ppt/slides/slide2.xml><?xml version="1.0" encoding="utf-8"?>
-<p:sld xmlns:a="http://schemas.openxmlformats.org/drawingml/2006/main" xmlns:r="http://schemas.openxmlformats.org/officeDocument/2006/relationships" xmlns:p="http://schemas.openxmlformats.org/presentationml/2006/main">
-  <p:cSld>
-    <p:spTree>
-      <p:nvGrpSpPr>
-        <p:cNvPr id="1" name=""/>
-        <p:cNvGrpSpPr/>
-        <p:nvPr/>
-      </p:nvGrpSpPr>
-      <p:grpSpPr/>
-      <p:sp>
-        <p:nvSpPr>
-          <p:cNvPr id="2" name="矩形 1"/>
-          <p:cNvSpPr/>
-          <p:nvPr/>
-        </p:nvSpPr>
-        <p:spPr>
-          <a:xfrm>
-            <a:off x="394970" y="343535"/>
-            <a:ext cx="3592830" cy="949325"/>
-          </a:xfrm>
-          <a:prstGeom prst="rect">
-            <a:avLst/>
-          </a:prstGeom>
-          <a:solidFill>
-            <a:schemeClr val="bg1"/>
-          </a:solidFill>
-          <a:ln>
-            <a:noFill/>
-          </a:ln>
-        </p:spPr>
-        <p:style>
-          <a:lnRef idx="2">
-            <a:schemeClr val="accent1">
-              <a:shade val="50000"/>
-            </a:schemeClr>
-          </a:lnRef>
-          <a:fillRef idx="1">
-            <a:schemeClr val="accent1"/>
-          </a:fillRef>
-          <a:effectRef idx="0">
-            <a:schemeClr val="accent1"/>
-          </a:effectRef>
-          <a:fontRef idx="minor">
-            <a:schemeClr val="lt1"/>
-          </a:fontRef>
-        </p:style>
-        <p:txBody>
-          <a:bodyPr rtlCol="0" anchor="ctr"/>
-          <a:p>
-            <a:pPr algn="l"/>
-            <a:r>
-              <a:rPr lang="en-US" altLang="zh-CN" sz="3200" b="1" dirty="0">
-                <a:solidFill>
-                  <a:schemeClr val="tx1"/>
-                </a:solidFill>
-                <a:latin typeface="华文细黑" panose="02010600040101010101" charset="-122"/>
-                <a:ea typeface="华文细黑" panose="02010600040101010101" charset="-122"/>
-                <a:cs typeface="华文细黑" panose="02010600040101010101" charset="-122"/>
-              </a:rPr>
-              <a:t> </a:t>
-            </a:r>
-            <a:r>
-              <a:rPr lang="zh-CN" altLang="en-US" sz="3200" b="1" dirty="0">
-                <a:solidFill>
-                  <a:schemeClr val="tx1"/>
-                </a:solidFill>
-                <a:latin typeface="华文细黑" panose="02010600040101010101" charset="-122"/>
-                <a:ea typeface="华文细黑" panose="02010600040101010101" charset="-122"/>
-                <a:cs typeface="华文细黑" panose="02010600040101010101" charset="-122"/>
-              </a:rPr>
-              <a:t>目录</a:t>
-            </a:r>
-            <a:endParaRPr lang="zh-CN" altLang="en-US" sz="3200" b="1" dirty="0">
-              <a:solidFill>
-                <a:schemeClr val="tx1"/>
-              </a:solidFill>
-              <a:latin typeface="华文细黑" panose="02010600040101010101" charset="-122"/>
-              <a:ea typeface="华文细黑" panose="02010600040101010101" charset="-122"/>
-              <a:cs typeface="华文细黑" panose="02010600040101010101" charset="-122"/>
-            </a:endParaRPr>
-          </a:p>
-        </p:txBody>
-      </p:sp>
-      <p:sp>
-        <p:nvSpPr>
-          <p:cNvPr id="3" name="文本框 2"/>
-          <p:cNvSpPr txBox="1"/>
-          <p:nvPr/>
-        </p:nvSpPr>
-        <p:spPr>
-          <a:xfrm>
-            <a:off x="3652520" y="1741805"/>
-            <a:ext cx="6096000" cy="829945"/>
-          </a:xfrm>
-          <a:prstGeom prst="rect">
-            <a:avLst/>
-          </a:prstGeom>
-          <a:noFill/>
-        </p:spPr>
-        <p:txBody>
-          <a:bodyPr wrap="square" rtlCol="0" anchor="t">
-            <a:spAutoFit/>
-          </a:bodyPr>
-          <a:p>
-            <a:r>
-              <a:rPr lang="en-US" altLang="zh-CN" sz="4800" dirty="0">
-                <a:cs typeface="+mn-ea"/>
-                <a:sym typeface="+mn-lt"/>
-              </a:rPr>
-              <a:t>1   </a:t>
-            </a:r>
-            <a:r>
-              <a:rPr lang="zh-CN" altLang="en-US" sz="4800" dirty="0">
-                <a:cs typeface="+mn-ea"/>
-                <a:sym typeface="+mn-lt"/>
-              </a:rPr>
-              <a:t>需求概述</a:t>
-            </a:r>
-            <a:endParaRPr lang="zh-CN" altLang="en-US" sz="4800" dirty="0">
-              <a:cs typeface="+mn-ea"/>
-              <a:sym typeface="+mn-lt"/>
-            </a:endParaRPr>
-          </a:p>
-        </p:txBody>
-      </p:sp>
-      <p:sp>
-        <p:nvSpPr>
-          <p:cNvPr id="12" name="图形"/>
-          <p:cNvSpPr txBox="1"/>
-          <p:nvPr/>
-        </p:nvSpPr>
-        <p:spPr>
-          <a:xfrm>
-            <a:off x="2743835" y="3414395"/>
-            <a:ext cx="5397500" cy="829945"/>
-          </a:xfrm>
-          <a:prstGeom prst="rect">
-            <a:avLst/>
-          </a:prstGeom>
-          <a:noFill/>
-          <a:ln w="9525">
-            <a:noFill/>
-          </a:ln>
-        </p:spPr>
-        <p:txBody>
-          <a:bodyPr wrap="square" anchor="t" anchorCtr="0">
-            <a:spAutoFit/>
-          </a:bodyPr>
-          <a:p>
-            <a:pPr algn="ctr"/>
-            <a:r>
-              <a:rPr lang="en-US" altLang="zh-CN" sz="4800" dirty="0">
-                <a:cs typeface="+mn-ea"/>
-                <a:sym typeface="+mn-lt"/>
-              </a:rPr>
-              <a:t>2   </a:t>
-            </a:r>
-            <a:r>
-              <a:rPr lang="zh-CN" altLang="en-US" sz="4800" dirty="0">
-                <a:cs typeface="+mn-ea"/>
-                <a:sym typeface="+mn-lt"/>
-              </a:rPr>
-              <a:t>数据要求</a:t>
-            </a:r>
-            <a:endParaRPr lang="zh-CN" altLang="en-US" sz="4800" dirty="0">
-              <a:cs typeface="+mn-ea"/>
-              <a:sym typeface="+mn-lt"/>
-            </a:endParaRPr>
-          </a:p>
-        </p:txBody>
-      </p:sp>
-    </p:spTree>
-    <p:custDataLst>
-      <p:tags r:id="rId1"/>
-    </p:custDataLst>
-  </p:cSld>
-  <p:clrMapOvr>
-    <a:masterClrMapping/>
-  </p:clrMapOvr>
-  <p:transition>
-    <p:wedge/>
-  </p:transition>
-  <p:timing>
-    <p:tnLst>
-      <p:par>
-        <p:cTn id="1" dur="indefinite" restart="never" nodeType="tmRoot">
-          <p:childTnLst>
-            <p:seq concurrent="1" nextAc="seek">
-              <p:cTn id="2" dur="indefinite" nodeType="mainSeq">
-                <p:childTnLst>
-                  <p:par>
-                    <p:cTn id="3" fill="hold">
-                      <p:stCondLst>
-                        <p:cond delay="indefinite"/>
-                        <p:cond evt="onBegin" delay="0">
-                          <p:tn val="2"/>
-                        </p:cond>
-                      </p:stCondLst>
-                      <p:childTnLst>
-                        <p:par>
-                          <p:cTn id="4" fill="hold">
-                            <p:stCondLst>
-                              <p:cond delay="0"/>
-                            </p:stCondLst>
-                            <p:childTnLst>
-                              <p:par>
-                                <p:cTn id="5" presetID="22" presetClass="entr" presetSubtype="8" fill="hold" grpId="0" nodeType="afterEffect">
-                                  <p:stCondLst>
-                                    <p:cond delay="0"/>
-                                  </p:stCondLst>
-                                  <p:childTnLst>
-                                    <p:set>
-                                      <p:cBhvr>
-                                        <p:cTn id="6" dur="1" fill="hold">
-                                          <p:stCondLst>
-                                            <p:cond delay="0"/>
-                                          </p:stCondLst>
-                                        </p:cTn>
-                                        <p:tgtEl>
-                                          <p:spTgt spid="12"/>
-                                        </p:tgtEl>
-                                        <p:attrNameLst>
-                                          <p:attrName>style.visibility</p:attrName>
-                                        </p:attrNameLst>
-                                      </p:cBhvr>
-                                      <p:to>
-                                        <p:strVal val="visible"/>
-                                      </p:to>
-                                    </p:set>
-                                    <p:animEffect transition="in" filter="wipe(left)">
-                                      <p:cBhvr>
-                                        <p:cTn id="7" dur="500"/>
-                                        <p:tgtEl>
-                                          <p:spTgt spid="12"/>
-                                        </p:tgtEl>
-                                      </p:cBhvr>
-                                    </p:animEffect>
-                                  </p:childTnLst>
-                                </p:cTn>
-                              </p:par>
-                            </p:childTnLst>
-                          </p:cTn>
-                        </p:par>
-                      </p:childTnLst>
-                    </p:cTn>
-                  </p:par>
-                </p:childTnLst>
-              </p:cTn>
-              <p:prevCondLst>
-                <p:cond evt="onPrev" delay="0">
-                  <p:tgtEl>
-                    <p:sldTgt/>
-                  </p:tgtEl>
-                </p:cond>
-              </p:prevCondLst>
-              <p:nextCondLst>
-                <p:cond evt="onNext" delay="0">
-                  <p:tgtEl>
-                    <p:sldTgt/>
-                  </p:tgtEl>
-                </p:cond>
-              </p:nextCondLst>
-            </p:seq>
-          </p:childTnLst>
-        </p:cTn>
-      </p:par>
-    </p:tnLst>
-    <p:bldLst>
-      <p:bldP spid="12" grpId="0"/>
-      <p:bldP spid="12" grpId="1"/>
-    </p:bldLst>
-  </p:timing>
-</p:sld>
-</file>
-
-<file path=ppt/slides/slide3.xml><?xml version="1.0" encoding="utf-8"?>
 <p:sld xmlns:a="http://schemas.openxmlformats.org/drawingml/2006/main" xmlns:r="http://schemas.openxmlformats.org/officeDocument/2006/relationships" xmlns:p="http://schemas.openxmlformats.org/presentationml/2006/main">
   <p:cSld>
     <p:spTree>
@@ -8560,7 +7513,7 @@
 </p:sld>
 </file>
 
-<file path=ppt/slides/slide4.xml><?xml version="1.0" encoding="utf-8"?>
+<file path=ppt/slides/slide3.xml><?xml version="1.0" encoding="utf-8"?>
 <p:sld xmlns:a="http://schemas.openxmlformats.org/drawingml/2006/main" xmlns:r="http://schemas.openxmlformats.org/officeDocument/2006/relationships" xmlns:p="http://schemas.openxmlformats.org/presentationml/2006/main">
   <p:cSld>
     <p:spTree>
@@ -8980,7 +7933,7 @@
           <p:spPr>
             <a:xfrm>
               <a:off x="2475" y="3209"/>
-              <a:ext cx="7005" cy="725"/>
+              <a:ext cx="7005" cy="1307"/>
             </a:xfrm>
             <a:prstGeom prst="rect">
               <a:avLst/>
@@ -9043,6 +7996,85 @@
                   <a:sym typeface="+mn-lt"/>
                 </a:rPr>
                 <a:t>发布志愿者服务信息</a:t>
+              </a:r>
+              <a:r>
+                <a:rPr lang="zh-CN" altLang="en-US" sz="1600">
+                  <a:solidFill>
+                    <a:schemeClr val="tx1">
+                      <a:lumMod val="75000"/>
+                      <a:lumOff val="25000"/>
+                    </a:schemeClr>
+                  </a:solidFill>
+                  <a:cs typeface="+mn-ea"/>
+                  <a:sym typeface="+mn-lt"/>
+                </a:rPr>
+                <a:t>，也可以在此上</a:t>
+              </a:r>
+              <a:r>
+                <a:rPr lang="zh-CN" altLang="en-US" sz="1600" u="sng">
+                  <a:solidFill>
+                    <a:schemeClr val="tx1">
+                      <a:lumMod val="75000"/>
+                      <a:lumOff val="25000"/>
+                    </a:schemeClr>
+                  </a:solidFill>
+                  <a:effectLst>
+                    <a:outerShdw blurRad="38100" dist="38100" dir="2700000" algn="tl">
+                      <a:srgbClr val="000000">
+                        <a:alpha val="43137"/>
+                      </a:srgbClr>
+                    </a:outerShdw>
+                  </a:effectLst>
+                  <a:cs typeface="+mn-ea"/>
+                  <a:sym typeface="+mn-lt"/>
+                </a:rPr>
+                <a:t>销售</a:t>
+              </a:r>
+              <a:r>
+                <a:rPr lang="zh-CN" altLang="en-US" sz="1600">
+                  <a:solidFill>
+                    <a:schemeClr val="tx1">
+                      <a:lumMod val="75000"/>
+                      <a:lumOff val="25000"/>
+                    </a:schemeClr>
+                  </a:solidFill>
+                  <a:cs typeface="+mn-ea"/>
+                  <a:sym typeface="+mn-lt"/>
+                </a:rPr>
+                <a:t>与景点相关</a:t>
+              </a:r>
+              <a:r>
+                <a:rPr lang="zh-CN" altLang="en-US" sz="1600" u="sng">
+                  <a:solidFill>
+                    <a:schemeClr val="tx1">
+                      <a:lumMod val="75000"/>
+                      <a:lumOff val="25000"/>
+                    </a:schemeClr>
+                  </a:solidFill>
+                  <a:effectLst>
+                    <a:outerShdw blurRad="38100" dist="38100" dir="2700000" algn="tl">
+                      <a:srgbClr val="000000">
+                        <a:alpha val="43137"/>
+                      </a:srgbClr>
+                    </a:outerShdw>
+                  </a:effectLst>
+                  <a:cs typeface="+mn-ea"/>
+                  <a:sym typeface="+mn-lt"/>
+                </a:rPr>
+                <a:t>文旅小商品</a:t>
+              </a:r>
+              <a:r>
+                <a:rPr lang="zh-CN" altLang="en-US" sz="1600">
+                  <a:solidFill>
+                    <a:schemeClr val="tx1">
+                      <a:lumMod val="75000"/>
+                      <a:lumOff val="25000"/>
+                    </a:schemeClr>
+                  </a:solidFill>
+                  <a:cs typeface="+mn-ea"/>
+                  <a:sym typeface="+mn-lt"/>
+                </a:rPr>
+                <a:t>。</a:t>
               </a:r>
               <a:endParaRPr lang="zh-CN" altLang="en-US" sz="1600" dirty="0">
                 <a:solidFill>
@@ -9373,7 +8405,40 @@
                   <a:cs typeface="+mn-ea"/>
                   <a:sym typeface="+mn-lt"/>
                 </a:rPr>
-                <a:t>，选择预约</a:t>
+                <a:t>，选择自己心仪的</a:t>
+              </a:r>
+              <a:r>
+                <a:rPr lang="zh-CN" altLang="en-US" sz="1600" u="sng" dirty="0">
+                  <a:solidFill>
+                    <a:schemeClr val="tx1">
+                      <a:lumMod val="75000"/>
+                      <a:lumOff val="25000"/>
+                    </a:schemeClr>
+                  </a:solidFill>
+                  <a:effectLst>
+                    <a:outerShdw blurRad="38100" dist="38100" dir="2700000" algn="tl">
+                      <a:srgbClr val="000000">
+                        <a:alpha val="43137"/>
+                      </a:srgbClr>
+                    </a:outerShdw>
+                  </a:effectLst>
+                  <a:cs typeface="+mn-ea"/>
+                  <a:sym typeface="+mn-lt"/>
+                </a:rPr>
+                <a:t>文旅商品快递</a:t>
+              </a:r>
+              <a:r>
+                <a:rPr lang="zh-CN" altLang="en-US" sz="1600" dirty="0">
+                  <a:solidFill>
+                    <a:schemeClr val="tx1">
+                      <a:lumMod val="75000"/>
+                      <a:lumOff val="25000"/>
+                    </a:schemeClr>
+                  </a:solidFill>
+                  <a:cs typeface="+mn-ea"/>
+                  <a:sym typeface="+mn-lt"/>
+                </a:rPr>
+                <a:t>回家。</a:t>
               </a:r>
               <a:endParaRPr lang="zh-CN" altLang="en-US" sz="1600" dirty="0">
                 <a:solidFill>
@@ -9454,7 +8519,7 @@
 </p:sld>
 </file>
 
-<file path=ppt/slides/slide5.xml><?xml version="1.0" encoding="utf-8"?>
+<file path=ppt/slides/slide4.xml><?xml version="1.0" encoding="utf-8"?>
 <p:sld xmlns:a="http://schemas.openxmlformats.org/drawingml/2006/main" xmlns:r="http://schemas.openxmlformats.org/officeDocument/2006/relationships" xmlns:p="http://schemas.openxmlformats.org/presentationml/2006/main">
   <p:cSld>
     <p:spTree>
@@ -9537,7 +8602,7 @@
       </p:sp>
       <p:pic>
         <p:nvPicPr>
-          <p:cNvPr id="3" name="图片 2" descr="total"/>
+          <p:cNvPr id="4" name="图片 3"/>
           <p:cNvPicPr>
             <a:picLocks noChangeAspect="1"/>
           </p:cNvPicPr>
@@ -9551,8 +8616,8 @@
         </p:blipFill>
         <p:spPr>
           <a:xfrm>
-            <a:off x="3234055" y="1292860"/>
-            <a:ext cx="5889625" cy="4667250"/>
+            <a:off x="1485900" y="1292860"/>
+            <a:ext cx="9220200" cy="4752975"/>
           </a:xfrm>
           <a:prstGeom prst="rect">
             <a:avLst/>
@@ -9573,7 +8638,7 @@
 </p:sld>
 </file>
 
-<file path=ppt/slides/slide6.xml><?xml version="1.0" encoding="utf-8"?>
+<file path=ppt/slides/slide5.xml><?xml version="1.0" encoding="utf-8"?>
 <p:sld xmlns:a="http://schemas.openxmlformats.org/drawingml/2006/main" xmlns:r="http://schemas.openxmlformats.org/officeDocument/2006/relationships" xmlns:p="http://schemas.openxmlformats.org/presentationml/2006/main">
   <p:cSld>
     <p:spTree>
@@ -9724,6 +8789,74 @@
       </p:sp>
       <p:sp>
         <p:nvSpPr>
+          <p:cNvPr id="4" name="文本框 3"/>
+          <p:cNvSpPr txBox="1"/>
+          <p:nvPr/>
+        </p:nvSpPr>
+        <p:spPr>
+          <a:xfrm>
+            <a:off x="923290" y="4485630"/>
+            <a:ext cx="2844669" cy="461665"/>
+          </a:xfrm>
+          <a:prstGeom prst="rect">
+            <a:avLst/>
+          </a:prstGeom>
+          <a:solidFill>
+            <a:schemeClr val="bg1"/>
+          </a:solidFill>
+        </p:spPr>
+        <p:txBody>
+          <a:bodyPr wrap="square" rtlCol="0">
+            <a:spAutoFit/>
+          </a:bodyPr>
+          <a:lstStyle/>
+          <a:p>
+            <a:r>
+              <a:rPr lang="zh-CN" altLang="en-US" sz="2400" kern="0" noProof="0" dirty="0">
+                <a:ln>
+                  <a:noFill/>
+                </a:ln>
+                <a:solidFill>
+                  <a:srgbClr val="0070C0"/>
+                </a:solidFill>
+                <a:effectLst>
+                  <a:outerShdw blurRad="38100" dist="38100" dir="2700000" algn="tl">
+                    <a:srgbClr val="000000">
+                      <a:alpha val="43137"/>
+                    </a:srgbClr>
+                  </a:outerShdw>
+                </a:effectLst>
+                <a:uLnTx/>
+                <a:uFillTx/>
+                <a:cs typeface="+mn-ea"/>
+                <a:sym typeface="+mn-lt"/>
+              </a:rPr>
+              <a:t>用户支付购买功能</a:t>
+            </a:r>
+            <a:endParaRPr lang="zh-CN" altLang="en-US" sz="2400" kern="0" noProof="0" dirty="0">
+              <a:ln>
+                <a:noFill/>
+              </a:ln>
+              <a:solidFill>
+                <a:srgbClr val="0070C0"/>
+              </a:solidFill>
+              <a:effectLst>
+                <a:outerShdw blurRad="38100" dist="38100" dir="2700000" algn="tl">
+                  <a:srgbClr val="000000">
+                    <a:alpha val="43137"/>
+                  </a:srgbClr>
+                </a:outerShdw>
+              </a:effectLst>
+              <a:uLnTx/>
+              <a:uFillTx/>
+              <a:cs typeface="+mn-ea"/>
+              <a:sym typeface="+mn-lt"/>
+            </a:endParaRPr>
+          </a:p>
+        </p:txBody>
+      </p:sp>
+      <p:sp>
+        <p:nvSpPr>
           <p:cNvPr id="9" name="文本框 8"/>
           <p:cNvSpPr txBox="1"/>
           <p:nvPr/>
@@ -9824,6 +8957,134 @@
           </a:p>
           <a:p>
             <a:endParaRPr lang="zh-CN" altLang="en-US" sz="2000" dirty="0">
+              <a:sym typeface="+mn-ea"/>
+            </a:endParaRPr>
+          </a:p>
+        </p:txBody>
+      </p:sp>
+      <p:sp>
+        <p:nvSpPr>
+          <p:cNvPr id="5" name="文本框 4"/>
+          <p:cNvSpPr txBox="1"/>
+          <p:nvPr/>
+        </p:nvSpPr>
+        <p:spPr>
+          <a:xfrm>
+            <a:off x="3767959" y="4439463"/>
+            <a:ext cx="6683364" cy="1631216"/>
+          </a:xfrm>
+          <a:prstGeom prst="rect">
+            <a:avLst/>
+          </a:prstGeom>
+          <a:noFill/>
+        </p:spPr>
+        <p:txBody>
+          <a:bodyPr wrap="square" rtlCol="0">
+            <a:spAutoFit/>
+          </a:bodyPr>
+          <a:lstStyle/>
+          <a:p>
+            <a:r>
+              <a:rPr kumimoji="0" lang="zh-CN" altLang="zh-CN" sz="2000" b="0" i="0" u="none" strike="noStrike" cap="none" normalizeH="0" baseline="0" dirty="0">
+                <a:ln>
+                  <a:noFill/>
+                </a:ln>
+                <a:solidFill>
+                  <a:schemeClr val="tx1"/>
+                </a:solidFill>
+                <a:effectLst/>
+                <a:latin typeface="+mn-ea"/>
+                <a:cs typeface="Times New Roman" panose="02020603050405020304" pitchFamily="18" charset="0"/>
+              </a:rPr>
+              <a:t>用户可以购买商家所发布的商品</a:t>
+            </a:r>
+            <a:r>
+              <a:rPr kumimoji="0" lang="zh-CN" altLang="en-US" sz="2000" b="0" i="0" u="none" strike="noStrike" cap="none" normalizeH="0" baseline="0" dirty="0">
+                <a:ln>
+                  <a:noFill/>
+                </a:ln>
+                <a:solidFill>
+                  <a:schemeClr val="tx1"/>
+                </a:solidFill>
+                <a:effectLst/>
+                <a:latin typeface="+mn-ea"/>
+                <a:cs typeface="Times New Roman" panose="02020603050405020304" pitchFamily="18" charset="0"/>
+              </a:rPr>
+              <a:t>。</a:t>
+            </a:r>
+            <a:endParaRPr kumimoji="0" lang="en-US" altLang="zh-CN" sz="2000" b="0" i="0" u="sng" strike="noStrike" cap="none" normalizeH="0" baseline="0" dirty="0">
+              <a:ln>
+                <a:noFill/>
+              </a:ln>
+              <a:solidFill>
+                <a:srgbClr val="0000FF"/>
+              </a:solidFill>
+              <a:effectLst/>
+              <a:latin typeface="+mn-ea"/>
+              <a:cs typeface="Times New Roman" panose="02020603050405020304" pitchFamily="18" charset="0"/>
+              <a:hlinkClick r:id="rId2"/>
+            </a:endParaRPr>
+          </a:p>
+          <a:p>
+            <a:r>
+              <a:rPr kumimoji="0" lang="zh-CN" altLang="zh-CN" sz="2000" b="0" i="0" u="sng" strike="noStrike" cap="none" normalizeH="0" baseline="0" dirty="0">
+                <a:ln>
+                  <a:noFill/>
+                </a:ln>
+                <a:solidFill>
+                  <a:srgbClr val="0000FF"/>
+                </a:solidFill>
+                <a:effectLst/>
+                <a:latin typeface="宋体" panose="02010600030101010101" pitchFamily="2" charset="-122"/>
+                <a:ea typeface="宋体" panose="02010600030101010101" pitchFamily="2" charset="-122"/>
+                <a:cs typeface="Times New Roman" panose="02020603050405020304" pitchFamily="18" charset="0"/>
+                <a:hlinkClick r:id="rId2"/>
+              </a:rPr>
+              <a:t>113条消息) 支付宝支付接口的调用（支付宝支付的实现）_惜听的博客-CSDN博客_支付宝支付api</a:t>
+            </a:r>
+            <a:endParaRPr kumimoji="0" lang="en-US" altLang="zh-CN" sz="2000" b="0" i="0" u="sng" strike="noStrike" cap="none" normalizeH="0" baseline="0" dirty="0">
+              <a:ln>
+                <a:noFill/>
+              </a:ln>
+              <a:solidFill>
+                <a:srgbClr val="0000FF"/>
+              </a:solidFill>
+              <a:effectLst/>
+              <a:latin typeface="宋体" panose="02010600030101010101" pitchFamily="2" charset="-122"/>
+              <a:ea typeface="宋体" panose="02010600030101010101" pitchFamily="2" charset="-122"/>
+              <a:cs typeface="Times New Roman" panose="02020603050405020304" pitchFamily="18" charset="0"/>
+            </a:endParaRPr>
+          </a:p>
+          <a:p>
+            <a:r>
+              <a:rPr kumimoji="0" lang="zh-CN" altLang="zh-CN" sz="2000" b="0" i="0" u="sng" strike="noStrike" cap="none" normalizeH="0" baseline="0" dirty="0">
+                <a:ln>
+                  <a:noFill/>
+                </a:ln>
+                <a:solidFill>
+                  <a:srgbClr val="0000FF"/>
+                </a:solidFill>
+                <a:effectLst/>
+                <a:latin typeface="宋体" panose="02010600030101010101" pitchFamily="2" charset="-122"/>
+                <a:ea typeface="宋体" panose="02010600030101010101" pitchFamily="2" charset="-122"/>
+                <a:cs typeface="Times New Roman" panose="02020603050405020304" pitchFamily="18" charset="0"/>
+                <a:hlinkClick r:id="rId3"/>
+              </a:rPr>
+              <a:t>支付宝开放平台 (alipay.com)</a:t>
+            </a:r>
+            <a:endParaRPr kumimoji="0" lang="zh-CN" altLang="zh-CN" sz="3200" b="0" i="0" u="none" strike="noStrike" cap="none" normalizeH="0" baseline="0" dirty="0">
+              <a:ln>
+                <a:noFill/>
+              </a:ln>
+              <a:solidFill>
+                <a:schemeClr val="tx1"/>
+              </a:solidFill>
+              <a:effectLst/>
+              <a:latin typeface="Arial" panose="020B0604020202020204" pitchFamily="34" charset="0"/>
+            </a:endParaRPr>
+          </a:p>
+          <a:p>
+            <a:endParaRPr lang="zh-CN" sz="2000" dirty="0">
               <a:sym typeface="+mn-ea"/>
             </a:endParaRPr>
           </a:p>
@@ -9929,76 +9190,9 @@
           </a:p>
         </p:txBody>
       </p:sp>
-      <p:sp>
-        <p:nvSpPr>
-          <p:cNvPr id="2" name="文本框 1"/>
-          <p:cNvSpPr txBox="1"/>
-          <p:nvPr/>
-        </p:nvSpPr>
-        <p:spPr>
-          <a:xfrm>
-            <a:off x="923290" y="4819650"/>
-            <a:ext cx="3320415" cy="460375"/>
-          </a:xfrm>
-          <a:prstGeom prst="rect">
-            <a:avLst/>
-          </a:prstGeom>
-          <a:solidFill>
-            <a:schemeClr val="bg1"/>
-          </a:solidFill>
-        </p:spPr>
-        <p:txBody>
-          <a:bodyPr wrap="square" rtlCol="0">
-            <a:spAutoFit/>
-          </a:bodyPr>
-          <a:p>
-            <a:r>
-              <a:rPr lang="zh-CN" altLang="en-US" sz="2400" kern="0" noProof="0" dirty="0">
-                <a:ln>
-                  <a:noFill/>
-                </a:ln>
-                <a:solidFill>
-                  <a:srgbClr val="0070C0"/>
-                </a:solidFill>
-                <a:effectLst>
-                  <a:outerShdw blurRad="38100" dist="38100" dir="2700000" algn="tl">
-                    <a:srgbClr val="000000">
-                      <a:alpha val="43137"/>
-                    </a:srgbClr>
-                  </a:outerShdw>
-                </a:effectLst>
-                <a:uLnTx/>
-                <a:uFillTx/>
-                <a:cs typeface="+mn-ea"/>
-                <a:sym typeface="+mn-lt"/>
-              </a:rPr>
-              <a:t>消息异步对话功能</a:t>
-            </a:r>
-            <a:endParaRPr lang="zh-CN" altLang="en-US" sz="2400" kern="0" noProof="0" dirty="0">
-              <a:ln>
-                <a:noFill/>
-              </a:ln>
-              <a:solidFill>
-                <a:srgbClr val="0070C0"/>
-              </a:solidFill>
-              <a:effectLst>
-                <a:outerShdw blurRad="38100" dist="38100" dir="2700000" algn="tl">
-                  <a:srgbClr val="000000">
-                    <a:alpha val="43137"/>
-                  </a:srgbClr>
-                </a:outerShdw>
-              </a:effectLst>
-              <a:uLnTx/>
-              <a:uFillTx/>
-              <a:cs typeface="+mn-ea"/>
-              <a:sym typeface="+mn-lt"/>
-            </a:endParaRPr>
-          </a:p>
-        </p:txBody>
-      </p:sp>
     </p:spTree>
     <p:custDataLst>
-      <p:tags r:id="rId3"/>
+      <p:tags r:id="rId4"/>
     </p:custDataLst>
   </p:cSld>
   <p:clrMapOvr>
@@ -10010,118 +9204,7 @@
 </p:sld>
 </file>
 
-<file path=ppt/slides/slide7.xml><?xml version="1.0" encoding="utf-8"?>
-<p:sld xmlns:a="http://schemas.openxmlformats.org/drawingml/2006/main" xmlns:r="http://schemas.openxmlformats.org/officeDocument/2006/relationships" xmlns:p="http://schemas.openxmlformats.org/presentationml/2006/main">
-  <p:cSld>
-    <p:spTree>
-      <p:nvGrpSpPr>
-        <p:cNvPr id="1" name=""/>
-        <p:cNvGrpSpPr/>
-        <p:nvPr/>
-      </p:nvGrpSpPr>
-      <p:grpSpPr/>
-      <p:sp>
-        <p:nvSpPr>
-          <p:cNvPr id="3" name="矩形 2"/>
-          <p:cNvSpPr/>
-          <p:nvPr/>
-        </p:nvSpPr>
-        <p:spPr>
-          <a:xfrm>
-            <a:off x="394970" y="343535"/>
-            <a:ext cx="3592830" cy="949325"/>
-          </a:xfrm>
-          <a:prstGeom prst="rect">
-            <a:avLst/>
-          </a:prstGeom>
-          <a:solidFill>
-            <a:schemeClr val="bg1"/>
-          </a:solidFill>
-          <a:ln>
-            <a:noFill/>
-          </a:ln>
-        </p:spPr>
-        <p:style>
-          <a:lnRef idx="2">
-            <a:schemeClr val="accent1">
-              <a:shade val="50000"/>
-            </a:schemeClr>
-          </a:lnRef>
-          <a:fillRef idx="1">
-            <a:schemeClr val="accent1"/>
-          </a:fillRef>
-          <a:effectRef idx="0">
-            <a:schemeClr val="accent1"/>
-          </a:effectRef>
-          <a:fontRef idx="minor">
-            <a:schemeClr val="lt1"/>
-          </a:fontRef>
-        </p:style>
-        <p:txBody>
-          <a:bodyPr rtlCol="0" anchor="ctr"/>
-          <a:p>
-            <a:pPr algn="l"/>
-            <a:r>
-              <a:rPr lang="zh-CN" altLang="en-US" sz="3200" b="1" dirty="0">
-                <a:solidFill>
-                  <a:schemeClr val="tx1"/>
-                </a:solidFill>
-                <a:latin typeface="华文细黑" panose="02010600040101010101" charset="-122"/>
-                <a:ea typeface="华文细黑" panose="02010600040101010101" charset="-122"/>
-                <a:cs typeface="华文细黑" panose="02010600040101010101" charset="-122"/>
-              </a:rPr>
-              <a:t>系统功能</a:t>
-            </a:r>
-            <a:endParaRPr lang="zh-CN" altLang="en-US" sz="3200" b="1" dirty="0">
-              <a:solidFill>
-                <a:schemeClr val="tx1"/>
-              </a:solidFill>
-              <a:latin typeface="华文细黑" panose="02010600040101010101" charset="-122"/>
-              <a:ea typeface="华文细黑" panose="02010600040101010101" charset="-122"/>
-              <a:cs typeface="华文细黑" panose="02010600040101010101" charset="-122"/>
-            </a:endParaRPr>
-          </a:p>
-        </p:txBody>
-      </p:sp>
-      <p:pic>
-        <p:nvPicPr>
-          <p:cNvPr id="4" name="图片 3" descr="流程图"/>
-          <p:cNvPicPr>
-            <a:picLocks noChangeAspect="1"/>
-          </p:cNvPicPr>
-          <p:nvPr/>
-        </p:nvPicPr>
-        <p:blipFill>
-          <a:blip r:embed="rId1"/>
-          <a:stretch>
-            <a:fillRect/>
-          </a:stretch>
-        </p:blipFill>
-        <p:spPr>
-          <a:xfrm>
-            <a:off x="3848735" y="525780"/>
-            <a:ext cx="4494530" cy="5805805"/>
-          </a:xfrm>
-          <a:prstGeom prst="rect">
-            <a:avLst/>
-          </a:prstGeom>
-        </p:spPr>
-      </p:pic>
-    </p:spTree>
-    <p:custDataLst>
-      <p:tags r:id="rId2"/>
-    </p:custDataLst>
-  </p:cSld>
-  <p:clrMapOvr>
-    <a:masterClrMapping/>
-  </p:clrMapOvr>
-  <p:transition>
-    <p:wedge/>
-  </p:transition>
-</p:sld>
-</file>
-
-<file path=ppt/slides/slide8.xml><?xml version="1.0" encoding="utf-8"?>
+<file path=ppt/slides/slide6.xml><?xml version="1.0" encoding="utf-8"?>
 <p:sld xmlns:a="http://schemas.openxmlformats.org/drawingml/2006/main" xmlns:r="http://schemas.openxmlformats.org/officeDocument/2006/relationships" xmlns:p="http://schemas.openxmlformats.org/presentationml/2006/main">
   <p:cSld>
     <p:spTree>
@@ -10138,30 +9221,6 @@
           <a:chExt cx="0" cy="0"/>
         </a:xfrm>
       </p:grpSpPr>
-      <p:pic>
-        <p:nvPicPr>
-          <p:cNvPr id="4" name="图片 3" descr="用户流程图"/>
-          <p:cNvPicPr>
-            <a:picLocks noChangeAspect="1"/>
-          </p:cNvPicPr>
-          <p:nvPr/>
-        </p:nvPicPr>
-        <p:blipFill>
-          <a:blip r:embed="rId1"/>
-          <a:stretch>
-            <a:fillRect/>
-          </a:stretch>
-        </p:blipFill>
-        <p:spPr>
-          <a:xfrm>
-            <a:off x="1491615" y="502285"/>
-            <a:ext cx="9373870" cy="5743575"/>
-          </a:xfrm>
-          <a:prstGeom prst="rect">
-            <a:avLst/>
-          </a:prstGeom>
-        </p:spPr>
-      </p:pic>
       <p:sp>
         <p:nvSpPr>
           <p:cNvPr id="2" name="矩形 1"/>
@@ -10226,6 +9285,30 @@
           </a:p>
         </p:txBody>
       </p:sp>
+      <p:pic>
+        <p:nvPicPr>
+          <p:cNvPr id="3" name="图片 2"/>
+          <p:cNvPicPr>
+            <a:picLocks noChangeAspect="1"/>
+          </p:cNvPicPr>
+          <p:nvPr/>
+        </p:nvPicPr>
+        <p:blipFill>
+          <a:blip r:embed="rId1"/>
+          <a:stretch>
+            <a:fillRect/>
+          </a:stretch>
+        </p:blipFill>
+        <p:spPr>
+          <a:xfrm>
+            <a:off x="1877082" y="1134636"/>
+            <a:ext cx="8102491" cy="5379829"/>
+          </a:xfrm>
+          <a:prstGeom prst="rect">
+            <a:avLst/>
+          </a:prstGeom>
+        </p:spPr>
+      </p:pic>
       <p:sp>
         <p:nvSpPr>
           <p:cNvPr id="5" name="文本框 4"/>
@@ -10235,7 +9318,7 @@
         <p:spPr>
           <a:xfrm>
             <a:off x="9979573" y="5538698"/>
-            <a:ext cx="640080" cy="368300"/>
+            <a:ext cx="877163" cy="369332"/>
           </a:xfrm>
           <a:prstGeom prst="rect">
             <a:avLst/>
@@ -10250,7 +9333,7 @@
           <a:p>
             <a:r>
               <a:rPr lang="zh-CN" altLang="en-US" dirty="0"/>
-              <a:t>用户</a:t>
+              <a:t>志愿者</a:t>
             </a:r>
             <a:endParaRPr lang="zh-CN" altLang="en-US" dirty="0"/>
           </a:p>
@@ -10270,7 +9353,7 @@
 </p:sld>
 </file>
 
-<file path=ppt/slides/slide9.xml><?xml version="1.0" encoding="utf-8"?>
+<file path=ppt/slides/slide7.xml><?xml version="1.0" encoding="utf-8"?>
 <p:sld xmlns:a="http://schemas.openxmlformats.org/drawingml/2006/main" xmlns:r="http://schemas.openxmlformats.org/officeDocument/2006/relationships" xmlns:p="http://schemas.openxmlformats.org/presentationml/2006/main">
   <p:cSld>
     <p:spTree>
@@ -10287,30 +9370,6 @@
           <a:chExt cx="0" cy="0"/>
         </a:xfrm>
       </p:grpSpPr>
-      <p:pic>
-        <p:nvPicPr>
-          <p:cNvPr id="3" name="图片 2" descr="文化组织流程图"/>
-          <p:cNvPicPr>
-            <a:picLocks noChangeAspect="1"/>
-          </p:cNvPicPr>
-          <p:nvPr/>
-        </p:nvPicPr>
-        <p:blipFill>
-          <a:blip r:embed="rId1"/>
-          <a:stretch>
-            <a:fillRect/>
-          </a:stretch>
-        </p:blipFill>
-        <p:spPr>
-          <a:xfrm>
-            <a:off x="262890" y="812165"/>
-            <a:ext cx="11929110" cy="4869815"/>
-          </a:xfrm>
-          <a:prstGeom prst="rect">
-            <a:avLst/>
-          </a:prstGeom>
-        </p:spPr>
-      </p:pic>
       <p:sp>
         <p:nvSpPr>
           <p:cNvPr id="2" name="矩形 1"/>
@@ -10405,6 +9464,30 @@
           </a:p>
         </p:txBody>
       </p:sp>
+      <p:pic>
+        <p:nvPicPr>
+          <p:cNvPr id="4" name="图片 3"/>
+          <p:cNvPicPr>
+            <a:picLocks noChangeAspect="1"/>
+          </p:cNvPicPr>
+          <p:nvPr/>
+        </p:nvPicPr>
+        <p:blipFill>
+          <a:blip r:embed="rId1"/>
+          <a:stretch>
+            <a:fillRect/>
+          </a:stretch>
+        </p:blipFill>
+        <p:spPr>
+          <a:xfrm>
+            <a:off x="1485900" y="1928812"/>
+            <a:ext cx="9220200" cy="3000375"/>
+          </a:xfrm>
+          <a:prstGeom prst="rect">
+            <a:avLst/>
+          </a:prstGeom>
+        </p:spPr>
+      </p:pic>
       <p:sp>
         <p:nvSpPr>
           <p:cNvPr id="6" name="AutoShape 1"/>
@@ -10450,6 +9533,718 @@
   </p:clrMapOvr>
   <p:transition>
     <p:plus/>
+  </p:transition>
+</p:sld>
+</file>
+
+<file path=ppt/slides/slide8.xml><?xml version="1.0" encoding="utf-8"?>
+<p:sld xmlns:a="http://schemas.openxmlformats.org/drawingml/2006/main" xmlns:r="http://schemas.openxmlformats.org/officeDocument/2006/relationships" xmlns:p="http://schemas.openxmlformats.org/presentationml/2006/main">
+  <p:cSld>
+    <p:spTree>
+      <p:nvGrpSpPr>
+        <p:cNvPr id="1" name=""/>
+        <p:cNvGrpSpPr/>
+        <p:nvPr/>
+      </p:nvGrpSpPr>
+      <p:grpSpPr>
+        <a:xfrm>
+          <a:off x="0" y="0"/>
+          <a:ext cx="0" cy="0"/>
+          <a:chOff x="0" y="0"/>
+          <a:chExt cx="0" cy="0"/>
+        </a:xfrm>
+      </p:grpSpPr>
+      <p:sp>
+        <p:nvSpPr>
+          <p:cNvPr id="2" name="矩形 1"/>
+          <p:cNvSpPr/>
+          <p:nvPr/>
+        </p:nvSpPr>
+        <p:spPr>
+          <a:xfrm>
+            <a:off x="394970" y="343535"/>
+            <a:ext cx="3592830" cy="949325"/>
+          </a:xfrm>
+          <a:prstGeom prst="rect">
+            <a:avLst/>
+          </a:prstGeom>
+          <a:solidFill>
+            <a:schemeClr val="bg1"/>
+          </a:solidFill>
+          <a:ln>
+            <a:noFill/>
+          </a:ln>
+        </p:spPr>
+        <p:style>
+          <a:lnRef idx="2">
+            <a:schemeClr val="accent1">
+              <a:shade val="50000"/>
+            </a:schemeClr>
+          </a:lnRef>
+          <a:fillRef idx="1">
+            <a:schemeClr val="accent1"/>
+          </a:fillRef>
+          <a:effectRef idx="0">
+            <a:schemeClr val="accent1"/>
+          </a:effectRef>
+          <a:fontRef idx="minor">
+            <a:schemeClr val="lt1"/>
+          </a:fontRef>
+        </p:style>
+        <p:txBody>
+          <a:bodyPr rtlCol="0" anchor="ctr"/>
+          <a:lstStyle/>
+          <a:p>
+            <a:pPr algn="l"/>
+            <a:r>
+              <a:rPr lang="zh-CN" altLang="en-US" sz="3200" b="1" dirty="0">
+                <a:solidFill>
+                  <a:schemeClr val="tx1"/>
+                </a:solidFill>
+                <a:latin typeface="华文细黑" panose="02010600040101010101" charset="-122"/>
+                <a:ea typeface="华文细黑" panose="02010600040101010101" charset="-122"/>
+                <a:cs typeface="华文细黑" panose="02010600040101010101" charset="-122"/>
+              </a:rPr>
+              <a:t>子系统功能</a:t>
+            </a:r>
+            <a:endParaRPr lang="zh-CN" altLang="en-US" sz="3200" b="1" dirty="0">
+              <a:solidFill>
+                <a:schemeClr val="tx1"/>
+              </a:solidFill>
+              <a:latin typeface="华文细黑" panose="02010600040101010101" charset="-122"/>
+              <a:ea typeface="华文细黑" panose="02010600040101010101" charset="-122"/>
+              <a:cs typeface="华文细黑" panose="02010600040101010101" charset="-122"/>
+            </a:endParaRPr>
+          </a:p>
+        </p:txBody>
+      </p:sp>
+      <p:sp>
+        <p:nvSpPr>
+          <p:cNvPr id="5" name="文本框 4"/>
+          <p:cNvSpPr txBox="1"/>
+          <p:nvPr/>
+        </p:nvSpPr>
+        <p:spPr>
+          <a:xfrm>
+            <a:off x="10545939" y="5195808"/>
+            <a:ext cx="646331" cy="369332"/>
+          </a:xfrm>
+          <a:prstGeom prst="rect">
+            <a:avLst/>
+          </a:prstGeom>
+          <a:noFill/>
+        </p:spPr>
+        <p:txBody>
+          <a:bodyPr wrap="none" rtlCol="0">
+            <a:spAutoFit/>
+          </a:bodyPr>
+          <a:lstStyle/>
+          <a:p>
+            <a:r>
+              <a:rPr lang="zh-CN" altLang="en-US" dirty="0"/>
+              <a:t>游客</a:t>
+            </a:r>
+            <a:endParaRPr lang="zh-CN" altLang="en-US" dirty="0"/>
+          </a:p>
+        </p:txBody>
+      </p:sp>
+      <p:pic>
+        <p:nvPicPr>
+          <p:cNvPr id="4" name="图片 3"/>
+          <p:cNvPicPr>
+            <a:picLocks noChangeAspect="1"/>
+          </p:cNvPicPr>
+          <p:nvPr/>
+        </p:nvPicPr>
+        <p:blipFill>
+          <a:blip r:embed="rId1"/>
+          <a:stretch>
+            <a:fillRect/>
+          </a:stretch>
+        </p:blipFill>
+        <p:spPr>
+          <a:xfrm>
+            <a:off x="1335264" y="1292860"/>
+            <a:ext cx="9210675" cy="4467225"/>
+          </a:xfrm>
+          <a:prstGeom prst="rect">
+            <a:avLst/>
+          </a:prstGeom>
+        </p:spPr>
+      </p:pic>
+    </p:spTree>
+    <p:custDataLst>
+      <p:tags r:id="rId2"/>
+    </p:custDataLst>
+  </p:cSld>
+  <p:clrMapOvr>
+    <a:masterClrMapping/>
+  </p:clrMapOvr>
+  <p:transition>
+    <p:plus/>
+  </p:transition>
+</p:sld>
+</file>
+
+<file path=ppt/slides/slide9.xml><?xml version="1.0" encoding="utf-8"?>
+<p:sld xmlns:a="http://schemas.openxmlformats.org/drawingml/2006/main" xmlns:r="http://schemas.openxmlformats.org/officeDocument/2006/relationships" xmlns:p="http://schemas.openxmlformats.org/presentationml/2006/main">
+  <p:cSld>
+    <p:spTree>
+      <p:nvGrpSpPr>
+        <p:cNvPr id="1" name=""/>
+        <p:cNvGrpSpPr/>
+        <p:nvPr/>
+      </p:nvGrpSpPr>
+      <p:grpSpPr>
+        <a:xfrm>
+          <a:off x="0" y="0"/>
+          <a:ext cx="0" cy="0"/>
+          <a:chOff x="0" y="0"/>
+          <a:chExt cx="0" cy="0"/>
+        </a:xfrm>
+      </p:grpSpPr>
+      <p:sp>
+        <p:nvSpPr>
+          <p:cNvPr id="3" name="矩形 2"/>
+          <p:cNvSpPr/>
+          <p:nvPr/>
+        </p:nvSpPr>
+        <p:spPr>
+          <a:xfrm>
+            <a:off x="394970" y="343535"/>
+            <a:ext cx="3592830" cy="949325"/>
+          </a:xfrm>
+          <a:prstGeom prst="rect">
+            <a:avLst/>
+          </a:prstGeom>
+          <a:solidFill>
+            <a:schemeClr val="bg1"/>
+          </a:solidFill>
+          <a:ln>
+            <a:noFill/>
+          </a:ln>
+        </p:spPr>
+        <p:style>
+          <a:lnRef idx="2">
+            <a:schemeClr val="accent1">
+              <a:shade val="50000"/>
+            </a:schemeClr>
+          </a:lnRef>
+          <a:fillRef idx="1">
+            <a:schemeClr val="accent1"/>
+          </a:fillRef>
+          <a:effectRef idx="0">
+            <a:schemeClr val="accent1"/>
+          </a:effectRef>
+          <a:fontRef idx="minor">
+            <a:schemeClr val="lt1"/>
+          </a:fontRef>
+        </p:style>
+        <p:txBody>
+          <a:bodyPr rtlCol="0" anchor="ctr"/>
+          <a:lstStyle/>
+          <a:p>
+            <a:pPr algn="l"/>
+            <a:r>
+              <a:rPr lang="zh-CN" altLang="en-US" sz="3200" b="1" dirty="0">
+                <a:solidFill>
+                  <a:schemeClr val="tx1"/>
+                </a:solidFill>
+                <a:latin typeface="华文细黑" panose="02010600040101010101" charset="-122"/>
+                <a:ea typeface="华文细黑" panose="02010600040101010101" charset="-122"/>
+                <a:cs typeface="华文细黑" panose="02010600040101010101" charset="-122"/>
+              </a:rPr>
+              <a:t>接口需求</a:t>
+            </a:r>
+            <a:endParaRPr lang="zh-CN" altLang="en-US" sz="3200" b="1" dirty="0">
+              <a:solidFill>
+                <a:schemeClr val="tx1"/>
+              </a:solidFill>
+              <a:latin typeface="华文细黑" panose="02010600040101010101" charset="-122"/>
+              <a:ea typeface="华文细黑" panose="02010600040101010101" charset="-122"/>
+              <a:cs typeface="华文细黑" panose="02010600040101010101" charset="-122"/>
+            </a:endParaRPr>
+          </a:p>
+        </p:txBody>
+      </p:sp>
+      <p:sp>
+        <p:nvSpPr>
+          <p:cNvPr id="8" name="文本框 7"/>
+          <p:cNvSpPr txBox="1"/>
+          <p:nvPr/>
+        </p:nvSpPr>
+        <p:spPr>
+          <a:xfrm>
+            <a:off x="918210" y="1683648"/>
+            <a:ext cx="1924685" cy="460375"/>
+          </a:xfrm>
+          <a:prstGeom prst="rect">
+            <a:avLst/>
+          </a:prstGeom>
+          <a:solidFill>
+            <a:schemeClr val="bg1"/>
+          </a:solidFill>
+        </p:spPr>
+        <p:txBody>
+          <a:bodyPr wrap="square" rtlCol="0">
+            <a:spAutoFit/>
+          </a:bodyPr>
+          <a:lstStyle/>
+          <a:p>
+            <a:r>
+              <a:rPr lang="zh-CN" altLang="en-US" sz="2400" kern="0" noProof="0" dirty="0">
+                <a:ln>
+                  <a:noFill/>
+                </a:ln>
+                <a:solidFill>
+                  <a:srgbClr val="0070C0"/>
+                </a:solidFill>
+                <a:effectLst>
+                  <a:outerShdw blurRad="38100" dist="38100" dir="2700000" algn="tl">
+                    <a:srgbClr val="000000">
+                      <a:alpha val="43137"/>
+                    </a:srgbClr>
+                  </a:outerShdw>
+                </a:effectLst>
+                <a:uLnTx/>
+                <a:uFillTx/>
+                <a:cs typeface="+mn-ea"/>
+                <a:sym typeface="+mn-lt"/>
+              </a:rPr>
+              <a:t>用户接口</a:t>
+            </a:r>
+            <a:endParaRPr lang="zh-CN" altLang="en-US" sz="2400" kern="0" noProof="0" dirty="0">
+              <a:ln>
+                <a:noFill/>
+              </a:ln>
+              <a:solidFill>
+                <a:srgbClr val="0070C0"/>
+              </a:solidFill>
+              <a:effectLst>
+                <a:outerShdw blurRad="38100" dist="38100" dir="2700000" algn="tl">
+                  <a:srgbClr val="000000">
+                    <a:alpha val="43137"/>
+                  </a:srgbClr>
+                </a:outerShdw>
+              </a:effectLst>
+              <a:uLnTx/>
+              <a:uFillTx/>
+              <a:cs typeface="+mn-ea"/>
+              <a:sym typeface="+mn-lt"/>
+            </a:endParaRPr>
+          </a:p>
+        </p:txBody>
+      </p:sp>
+      <p:sp>
+        <p:nvSpPr>
+          <p:cNvPr id="4" name="文本框 3"/>
+          <p:cNvSpPr txBox="1"/>
+          <p:nvPr/>
+        </p:nvSpPr>
+        <p:spPr>
+          <a:xfrm>
+            <a:off x="928370" y="3622143"/>
+            <a:ext cx="1924685" cy="460375"/>
+          </a:xfrm>
+          <a:prstGeom prst="rect">
+            <a:avLst/>
+          </a:prstGeom>
+          <a:solidFill>
+            <a:schemeClr val="bg1"/>
+          </a:solidFill>
+        </p:spPr>
+        <p:txBody>
+          <a:bodyPr wrap="square" rtlCol="0">
+            <a:spAutoFit/>
+          </a:bodyPr>
+          <a:lstStyle/>
+          <a:p>
+            <a:r>
+              <a:rPr lang="zh-CN" altLang="en-US" sz="2400" kern="0" noProof="0" dirty="0">
+                <a:ln>
+                  <a:noFill/>
+                </a:ln>
+                <a:solidFill>
+                  <a:srgbClr val="0070C0"/>
+                </a:solidFill>
+                <a:effectLst>
+                  <a:outerShdw blurRad="38100" dist="38100" dir="2700000" algn="tl">
+                    <a:srgbClr val="000000">
+                      <a:alpha val="43137"/>
+                    </a:srgbClr>
+                  </a:outerShdw>
+                </a:effectLst>
+                <a:uLnTx/>
+                <a:uFillTx/>
+                <a:cs typeface="+mn-ea"/>
+                <a:sym typeface="+mn-lt"/>
+              </a:rPr>
+              <a:t>软件接口</a:t>
+            </a:r>
+            <a:endParaRPr lang="zh-CN" altLang="en-US" sz="2400" kern="0" noProof="0" dirty="0">
+              <a:ln>
+                <a:noFill/>
+              </a:ln>
+              <a:solidFill>
+                <a:srgbClr val="0070C0"/>
+              </a:solidFill>
+              <a:effectLst>
+                <a:outerShdw blurRad="38100" dist="38100" dir="2700000" algn="tl">
+                  <a:srgbClr val="000000">
+                    <a:alpha val="43137"/>
+                  </a:srgbClr>
+                </a:outerShdw>
+              </a:effectLst>
+              <a:uLnTx/>
+              <a:uFillTx/>
+              <a:cs typeface="+mn-ea"/>
+              <a:sym typeface="+mn-lt"/>
+            </a:endParaRPr>
+          </a:p>
+        </p:txBody>
+      </p:sp>
+      <p:sp>
+        <p:nvSpPr>
+          <p:cNvPr id="7" name="文本框 6"/>
+          <p:cNvSpPr txBox="1"/>
+          <p:nvPr/>
+        </p:nvSpPr>
+        <p:spPr>
+          <a:xfrm>
+            <a:off x="918209" y="4488722"/>
+            <a:ext cx="1924685" cy="460375"/>
+          </a:xfrm>
+          <a:prstGeom prst="rect">
+            <a:avLst/>
+          </a:prstGeom>
+          <a:solidFill>
+            <a:schemeClr val="bg1"/>
+          </a:solidFill>
+        </p:spPr>
+        <p:txBody>
+          <a:bodyPr wrap="square" rtlCol="0">
+            <a:spAutoFit/>
+          </a:bodyPr>
+          <a:lstStyle/>
+          <a:p>
+            <a:r>
+              <a:rPr lang="zh-CN" sz="2400" kern="0" noProof="0" dirty="0">
+                <a:ln>
+                  <a:noFill/>
+                </a:ln>
+                <a:solidFill>
+                  <a:srgbClr val="0070C0"/>
+                </a:solidFill>
+                <a:effectLst>
+                  <a:outerShdw blurRad="38100" dist="38100" dir="2700000" algn="tl">
+                    <a:srgbClr val="000000">
+                      <a:alpha val="43137"/>
+                    </a:srgbClr>
+                  </a:outerShdw>
+                </a:effectLst>
+                <a:uLnTx/>
+                <a:uFillTx/>
+                <a:cs typeface="+mn-ea"/>
+                <a:sym typeface="+mn-lt"/>
+              </a:rPr>
+              <a:t>通信</a:t>
+            </a:r>
+            <a:r>
+              <a:rPr lang="zh-CN" altLang="en-US" sz="2400" kern="0" noProof="0" dirty="0">
+                <a:ln>
+                  <a:noFill/>
+                </a:ln>
+                <a:solidFill>
+                  <a:srgbClr val="0070C0"/>
+                </a:solidFill>
+                <a:effectLst>
+                  <a:outerShdw blurRad="38100" dist="38100" dir="2700000" algn="tl">
+                    <a:srgbClr val="000000">
+                      <a:alpha val="43137"/>
+                    </a:srgbClr>
+                  </a:outerShdw>
+                </a:effectLst>
+                <a:uLnTx/>
+                <a:uFillTx/>
+                <a:cs typeface="+mn-ea"/>
+                <a:sym typeface="+mn-lt"/>
+              </a:rPr>
+              <a:t>接口</a:t>
+            </a:r>
+            <a:endParaRPr lang="zh-CN" sz="2400" kern="0" noProof="0" dirty="0">
+              <a:ln>
+                <a:noFill/>
+              </a:ln>
+              <a:solidFill>
+                <a:srgbClr val="0070C0"/>
+              </a:solidFill>
+              <a:effectLst>
+                <a:outerShdw blurRad="38100" dist="38100" dir="2700000" algn="tl">
+                  <a:srgbClr val="000000">
+                    <a:alpha val="43137"/>
+                  </a:srgbClr>
+                </a:outerShdw>
+              </a:effectLst>
+              <a:uLnTx/>
+              <a:uFillTx/>
+              <a:cs typeface="+mn-ea"/>
+              <a:sym typeface="+mn-lt"/>
+            </a:endParaRPr>
+          </a:p>
+        </p:txBody>
+      </p:sp>
+      <p:sp>
+        <p:nvSpPr>
+          <p:cNvPr id="9" name="文本框 8"/>
+          <p:cNvSpPr txBox="1"/>
+          <p:nvPr/>
+        </p:nvSpPr>
+        <p:spPr>
+          <a:xfrm>
+            <a:off x="2853055" y="1747432"/>
+            <a:ext cx="7363000" cy="1631216"/>
+          </a:xfrm>
+          <a:prstGeom prst="rect">
+            <a:avLst/>
+          </a:prstGeom>
+          <a:noFill/>
+        </p:spPr>
+        <p:txBody>
+          <a:bodyPr wrap="square" rtlCol="0">
+            <a:spAutoFit/>
+          </a:bodyPr>
+          <a:lstStyle/>
+          <a:p>
+            <a:r>
+              <a:rPr lang="en-US" altLang="zh-CN" sz="2000" dirty="0">
+                <a:sym typeface="+mn-ea"/>
+              </a:rPr>
+              <a:t>1</a:t>
+            </a:r>
+            <a:r>
+              <a:rPr lang="zh-CN" altLang="en-US" sz="2000" dirty="0">
+                <a:sym typeface="+mn-ea"/>
+              </a:rPr>
+              <a:t>、实现文化组织、志愿者、游客三方“注册”“登录”，登录界面要有“忘记密码”；</a:t>
+            </a:r>
+            <a:endParaRPr lang="zh-CN" altLang="en-US" sz="2000" dirty="0">
+              <a:sym typeface="+mn-ea"/>
+            </a:endParaRPr>
+          </a:p>
+          <a:p>
+            <a:r>
+              <a:rPr lang="en-US" altLang="zh-CN" sz="2000" dirty="0">
+                <a:sym typeface="+mn-ea"/>
+              </a:rPr>
+              <a:t>2</a:t>
+            </a:r>
+            <a:r>
+              <a:rPr lang="zh-CN" altLang="en-US" sz="2000" dirty="0">
+                <a:sym typeface="+mn-ea"/>
+              </a:rPr>
+              <a:t>、游客首页要有</a:t>
+            </a:r>
+            <a:r>
+              <a:rPr lang="en-US" altLang="zh-CN" sz="2000" dirty="0">
+                <a:sym typeface="+mn-ea"/>
+              </a:rPr>
+              <a:t>GPS</a:t>
+            </a:r>
+            <a:r>
+              <a:rPr lang="zh-CN" altLang="en-US" sz="2000" dirty="0">
+                <a:sym typeface="+mn-ea"/>
+              </a:rPr>
+              <a:t>定位，并能够手动切换地点；</a:t>
+            </a:r>
+            <a:endParaRPr lang="zh-CN" altLang="en-US" sz="2000" dirty="0">
+              <a:sym typeface="+mn-ea"/>
+            </a:endParaRPr>
+          </a:p>
+          <a:p>
+            <a:r>
+              <a:rPr lang="en-US" altLang="zh-CN" sz="2000" dirty="0">
+                <a:sym typeface="+mn-ea"/>
+              </a:rPr>
+              <a:t>3</a:t>
+            </a:r>
+            <a:r>
+              <a:rPr lang="zh-CN" altLang="en-US" sz="2000" dirty="0">
+                <a:sym typeface="+mn-ea"/>
+              </a:rPr>
+              <a:t>、游客首页根据地点推送开放的可供参观的文化组织目的地；</a:t>
+            </a:r>
+            <a:endParaRPr lang="zh-CN" altLang="en-US" sz="2000" dirty="0">
+              <a:sym typeface="+mn-ea"/>
+            </a:endParaRPr>
+          </a:p>
+          <a:p>
+            <a:r>
+              <a:rPr lang="en-US" altLang="zh-CN" sz="2000" dirty="0">
+                <a:sym typeface="+mn-ea"/>
+              </a:rPr>
+              <a:t>4</a:t>
+            </a:r>
+            <a:r>
+              <a:rPr lang="zh-CN" altLang="en-US" sz="2000" dirty="0">
+                <a:sym typeface="+mn-ea"/>
+              </a:rPr>
+              <a:t>、游客首页要有“搜索”和“扫描”</a:t>
+            </a:r>
+            <a:endParaRPr lang="en-US" altLang="zh-CN" sz="2000" dirty="0">
+              <a:sym typeface="+mn-ea"/>
+            </a:endParaRPr>
+          </a:p>
+        </p:txBody>
+      </p:sp>
+      <p:sp>
+        <p:nvSpPr>
+          <p:cNvPr id="17" name="文本框 16"/>
+          <p:cNvSpPr txBox="1"/>
+          <p:nvPr/>
+        </p:nvSpPr>
+        <p:spPr>
+          <a:xfrm>
+            <a:off x="2842894" y="4519519"/>
+            <a:ext cx="6861810" cy="707886"/>
+          </a:xfrm>
+          <a:prstGeom prst="rect">
+            <a:avLst/>
+          </a:prstGeom>
+          <a:noFill/>
+        </p:spPr>
+        <p:txBody>
+          <a:bodyPr wrap="square" rtlCol="0">
+            <a:spAutoFit/>
+          </a:bodyPr>
+          <a:lstStyle/>
+          <a:p>
+            <a:r>
+              <a:rPr lang="en-US" altLang="zh-CN" sz="2000" dirty="0">
+                <a:sym typeface="+mn-ea"/>
+              </a:rPr>
+              <a:t>1</a:t>
+            </a:r>
+            <a:r>
+              <a:rPr lang="zh-CN" altLang="en-US" sz="2000" dirty="0">
+                <a:sym typeface="+mn-ea"/>
+              </a:rPr>
+              <a:t>、</a:t>
+            </a:r>
+            <a:r>
+              <a:rPr lang="en-US" altLang="zh-CN" sz="2000" dirty="0">
+                <a:sym typeface="+mn-ea"/>
+              </a:rPr>
+              <a:t>TCP/IP</a:t>
+            </a:r>
+            <a:r>
+              <a:rPr lang="zh-CN" altLang="en-US" sz="2000" dirty="0">
+                <a:sym typeface="+mn-ea"/>
+              </a:rPr>
+              <a:t>协议</a:t>
+            </a:r>
+            <a:endParaRPr lang="zh-CN" altLang="en-US" sz="2000" dirty="0">
+              <a:sym typeface="+mn-ea"/>
+            </a:endParaRPr>
+          </a:p>
+          <a:p>
+            <a:r>
+              <a:rPr lang="en-US" altLang="zh-CN" sz="2000" dirty="0">
+                <a:sym typeface="+mn-ea"/>
+              </a:rPr>
+              <a:t>2</a:t>
+            </a:r>
+            <a:r>
+              <a:rPr lang="zh-CN" altLang="en-US" sz="2000" dirty="0">
+                <a:sym typeface="+mn-ea"/>
+              </a:rPr>
+              <a:t>、</a:t>
+            </a:r>
+            <a:r>
+              <a:rPr lang="en-US" altLang="zh-CN" sz="2000" dirty="0">
+                <a:sym typeface="+mn-ea"/>
+              </a:rPr>
+              <a:t>HTTP</a:t>
+            </a:r>
+            <a:r>
+              <a:rPr lang="zh-CN" altLang="en-US" sz="2000" dirty="0">
+                <a:sym typeface="+mn-ea"/>
+              </a:rPr>
+              <a:t>协议</a:t>
+            </a:r>
+            <a:endParaRPr lang="zh-CN" altLang="en-US" sz="2000" dirty="0">
+              <a:sym typeface="+mn-ea"/>
+            </a:endParaRPr>
+          </a:p>
+        </p:txBody>
+      </p:sp>
+      <p:sp>
+        <p:nvSpPr>
+          <p:cNvPr id="5" name="文本框 4"/>
+          <p:cNvSpPr txBox="1"/>
+          <p:nvPr/>
+        </p:nvSpPr>
+        <p:spPr>
+          <a:xfrm>
+            <a:off x="2842895" y="3652275"/>
+            <a:ext cx="7247036" cy="400110"/>
+          </a:xfrm>
+          <a:prstGeom prst="rect">
+            <a:avLst/>
+          </a:prstGeom>
+          <a:noFill/>
+        </p:spPr>
+        <p:txBody>
+          <a:bodyPr wrap="square" rtlCol="0">
+            <a:spAutoFit/>
+          </a:bodyPr>
+          <a:lstStyle/>
+          <a:p>
+            <a:r>
+              <a:rPr lang="zh-CN" altLang="en-US" sz="2000" dirty="0">
+                <a:sym typeface="+mn-ea"/>
+              </a:rPr>
+              <a:t>与</a:t>
+            </a:r>
+            <a:r>
+              <a:rPr lang="en-US" altLang="zh-CN" sz="2000" dirty="0" err="1">
+                <a:sym typeface="+mn-ea"/>
+              </a:rPr>
+              <a:t>mysql</a:t>
+            </a:r>
+            <a:r>
+              <a:rPr lang="zh-CN" altLang="en-US" sz="2000" dirty="0">
+                <a:sym typeface="+mn-ea"/>
+              </a:rPr>
+              <a:t>数据库的接口，通过</a:t>
+            </a:r>
+            <a:r>
+              <a:rPr lang="en-US" altLang="zh-CN" sz="2000" dirty="0">
+                <a:sym typeface="+mn-ea"/>
+              </a:rPr>
+              <a:t>JDBC</a:t>
+            </a:r>
+            <a:r>
+              <a:rPr lang="zh-CN" altLang="en-US" sz="2000" dirty="0">
+                <a:sym typeface="+mn-ea"/>
+              </a:rPr>
+              <a:t>进行连接</a:t>
+            </a:r>
+            <a:endParaRPr lang="zh-CN" sz="2000" dirty="0">
+              <a:sym typeface="+mn-ea"/>
+            </a:endParaRPr>
+          </a:p>
+        </p:txBody>
+      </p:sp>
+    </p:spTree>
+    <p:custDataLst>
+      <p:tags r:id="rId1"/>
+    </p:custDataLst>
+  </p:cSld>
+  <p:clrMapOvr>
+    <a:masterClrMapping/>
+  </p:clrMapOvr>
+  <p:transition>
+    <p:split orient="vert" dir="in"/>
   </p:transition>
 </p:sld>
 </file>
@@ -10486,9 +10281,7 @@
 
 <file path=ppt/tags/tag12.xml><?xml version="1.0" encoding="utf-8"?>
 <p:tagLst xmlns:p="http://schemas.openxmlformats.org/presentationml/2006/main">
-  <p:tag name="KSO_WM_BEAUTIFY_FLAG" val="#wm#"/>
-  <p:tag name="KSO_WM_TEMPLATE_CATEGORY" val="custom"/>
-  <p:tag name="KSO_WM_TEMPLATE_INDEX" val="20205081"/>
+  <p:tag name="KSO_WM_UNIT_PLACING_PICTURE_USER_VIEWPORT" val="{&quot;height&quot;:10800,&quot;width&quot;:13358}"/>
 </p:tagLst>
 </file>
 
@@ -10502,9 +10295,7 @@
 
 <file path=ppt/tags/tag14.xml><?xml version="1.0" encoding="utf-8"?>
 <p:tagLst xmlns:p="http://schemas.openxmlformats.org/presentationml/2006/main">
-  <p:tag name="KSO_WM_BEAUTIFY_FLAG" val="#wm#"/>
-  <p:tag name="KSO_WM_TEMPLATE_CATEGORY" val="custom"/>
-  <p:tag name="KSO_WM_TEMPLATE_INDEX" val="20205081"/>
+  <p:tag name="KSO_WM_UNIT_PLACING_PICTURE_USER_VIEWPORT" val="{&quot;height&quot;:6570,&quot;width&quot;:8260}"/>
 </p:tagLst>
 </file>
 
@@ -10534,7 +10325,7 @@
 
 <file path=ppt/tags/tag18.xml><?xml version="1.0" encoding="utf-8"?>
 <p:tagLst xmlns:p="http://schemas.openxmlformats.org/presentationml/2006/main">
-  <p:tag name="COMMONDATA" val="eyJoZGlkIjoiYzQ0OTllZjEzNmE0ZDU0YzJmOGQ2NzlkMDJhNDQ5NmYifQ=="/>
+  <p:tag name="COMMONDATA" val="eyJoZGlkIjoiOTFhZTQ2MDE0Nzk2MDZmYTEwZjA5Y2Y5NjJlMDczNjEifQ=="/>
   <p:tag name="KSO_WPP_MARK_KEY" val="133996ca-5edf-4d94-afd3-6eb9f32d4f58"/>
 </p:tagLst>
 </file>
